--- a/chapter6.pptx
+++ b/chapter6.pptx
@@ -4,6 +4,12 @@
   <p:sldMasterIdLst>
     <p:sldMasterId id="2147483797" r:id="rId1"/>
   </p:sldMasterIdLst>
+  <p:notesMasterIdLst>
+    <p:notesMasterId r:id="rId47"/>
+  </p:notesMasterIdLst>
+  <p:handoutMasterIdLst>
+    <p:handoutMasterId r:id="rId48"/>
+  </p:handoutMasterIdLst>
   <p:sldIdLst>
     <p:sldId id="256" r:id="rId2"/>
     <p:sldId id="257" r:id="rId3"/>
@@ -52,7 +58,7 @@
     <p:sldId id="301" r:id="rId46"/>
   </p:sldIdLst>
   <p:sldSz cx="12192000" cy="6858000"/>
-  <p:notesSz cx="6858000" cy="9144000"/>
+  <p:notesSz cx="9926638" cy="6797675"/>
   <p:defaultTextStyle>
     <a:defPPr>
       <a:defRPr lang="hu-HU"/>
@@ -154,6 +160,4301 @@
     </p:ext>
   </p:extLst>
 </p:presentation>
+</file>
+
+<file path=ppt/handoutMasters/handoutMaster1.xml><?xml version="1.0" encoding="utf-8"?>
+<p:handoutMaster xmlns:a="http://schemas.openxmlformats.org/drawingml/2006/main" xmlns:r="http://schemas.openxmlformats.org/officeDocument/2006/relationships" xmlns:p="http://schemas.openxmlformats.org/presentationml/2006/main">
+  <p:cSld>
+    <p:bg>
+      <p:bgRef idx="1001">
+        <a:schemeClr val="bg1"/>
+      </p:bgRef>
+    </p:bg>
+    <p:spTree>
+      <p:nvGrpSpPr>
+        <p:cNvPr id="1" name=""/>
+        <p:cNvGrpSpPr/>
+        <p:nvPr/>
+      </p:nvGrpSpPr>
+      <p:grpSpPr>
+        <a:xfrm>
+          <a:off x="0" y="0"/>
+          <a:ext cx="0" cy="0"/>
+          <a:chOff x="0" y="0"/>
+          <a:chExt cx="0" cy="0"/>
+        </a:xfrm>
+      </p:grpSpPr>
+      <p:sp>
+        <p:nvSpPr>
+          <p:cNvPr id="2" name="Élőfej helye 1"/>
+          <p:cNvSpPr>
+            <a:spLocks noGrp="1"/>
+          </p:cNvSpPr>
+          <p:nvPr>
+            <p:ph type="hdr" sz="quarter"/>
+          </p:nvPr>
+        </p:nvSpPr>
+        <p:spPr>
+          <a:xfrm>
+            <a:off x="0" y="1"/>
+            <a:ext cx="4301543" cy="341064"/>
+          </a:xfrm>
+          <a:prstGeom prst="rect">
+            <a:avLst/>
+          </a:prstGeom>
+        </p:spPr>
+        <p:txBody>
+          <a:bodyPr vert="horz" lIns="91440" tIns="45720" rIns="91440" bIns="45720" rtlCol="0"/>
+          <a:lstStyle>
+            <a:lvl1pPr algn="l">
+              <a:defRPr sz="1200"/>
+            </a:lvl1pPr>
+          </a:lstStyle>
+          <a:p>
+            <a:endParaRPr lang="hu-HU"/>
+          </a:p>
+        </p:txBody>
+      </p:sp>
+      <p:sp>
+        <p:nvSpPr>
+          <p:cNvPr id="3" name="Dátum helye 2"/>
+          <p:cNvSpPr>
+            <a:spLocks noGrp="1"/>
+          </p:cNvSpPr>
+          <p:nvPr>
+            <p:ph type="dt" sz="quarter" idx="1"/>
+          </p:nvPr>
+        </p:nvSpPr>
+        <p:spPr>
+          <a:xfrm>
+            <a:off x="5622798" y="1"/>
+            <a:ext cx="4301543" cy="341064"/>
+          </a:xfrm>
+          <a:prstGeom prst="rect">
+            <a:avLst/>
+          </a:prstGeom>
+        </p:spPr>
+        <p:txBody>
+          <a:bodyPr vert="horz" lIns="91440" tIns="45720" rIns="91440" bIns="45720" rtlCol="0"/>
+          <a:lstStyle>
+            <a:lvl1pPr algn="r">
+              <a:defRPr sz="1200"/>
+            </a:lvl1pPr>
+          </a:lstStyle>
+          <a:p>
+            <a:fld id="{853D8919-E75C-4946-BE68-F4D8A91BCD9B}" type="datetimeFigureOut">
+              <a:rPr lang="hu-HU" smtClean="0"/>
+              <a:t>2019. 03. 07.</a:t>
+            </a:fld>
+            <a:endParaRPr lang="hu-HU"/>
+          </a:p>
+        </p:txBody>
+      </p:sp>
+      <p:sp>
+        <p:nvSpPr>
+          <p:cNvPr id="4" name="Élőláb helye 3"/>
+          <p:cNvSpPr>
+            <a:spLocks noGrp="1"/>
+          </p:cNvSpPr>
+          <p:nvPr>
+            <p:ph type="ftr" sz="quarter" idx="2"/>
+          </p:nvPr>
+        </p:nvSpPr>
+        <p:spPr>
+          <a:xfrm>
+            <a:off x="0" y="6456612"/>
+            <a:ext cx="4301543" cy="341063"/>
+          </a:xfrm>
+          <a:prstGeom prst="rect">
+            <a:avLst/>
+          </a:prstGeom>
+        </p:spPr>
+        <p:txBody>
+          <a:bodyPr vert="horz" lIns="91440" tIns="45720" rIns="91440" bIns="45720" rtlCol="0" anchor="b"/>
+          <a:lstStyle>
+            <a:lvl1pPr algn="l">
+              <a:defRPr sz="1200"/>
+            </a:lvl1pPr>
+          </a:lstStyle>
+          <a:p>
+            <a:endParaRPr lang="hu-HU"/>
+          </a:p>
+        </p:txBody>
+      </p:sp>
+      <p:sp>
+        <p:nvSpPr>
+          <p:cNvPr id="5" name="Dia számának helye 4"/>
+          <p:cNvSpPr>
+            <a:spLocks noGrp="1"/>
+          </p:cNvSpPr>
+          <p:nvPr>
+            <p:ph type="sldNum" sz="quarter" idx="3"/>
+          </p:nvPr>
+        </p:nvSpPr>
+        <p:spPr>
+          <a:xfrm>
+            <a:off x="5622798" y="6456612"/>
+            <a:ext cx="4301543" cy="341063"/>
+          </a:xfrm>
+          <a:prstGeom prst="rect">
+            <a:avLst/>
+          </a:prstGeom>
+        </p:spPr>
+        <p:txBody>
+          <a:bodyPr vert="horz" lIns="91440" tIns="45720" rIns="91440" bIns="45720" rtlCol="0" anchor="b"/>
+          <a:lstStyle>
+            <a:lvl1pPr algn="r">
+              <a:defRPr sz="1200"/>
+            </a:lvl1pPr>
+          </a:lstStyle>
+          <a:p>
+            <a:fld id="{51D1DECA-34BA-4D8E-AB2A-D4244DE00FC9}" type="slidenum">
+              <a:rPr lang="hu-HU" smtClean="0"/>
+              <a:t>‹#›</a:t>
+            </a:fld>
+            <a:endParaRPr lang="hu-HU"/>
+          </a:p>
+        </p:txBody>
+      </p:sp>
+    </p:spTree>
+    <p:extLst>
+      <p:ext uri="{BB962C8B-B14F-4D97-AF65-F5344CB8AC3E}">
+        <p14:creationId xmlns:p14="http://schemas.microsoft.com/office/powerpoint/2010/main" val="936506281"/>
+      </p:ext>
+    </p:extLst>
+  </p:cSld>
+  <p:clrMap bg1="lt1" tx1="dk1" bg2="lt2" tx2="dk2" accent1="accent1" accent2="accent2" accent3="accent3" accent4="accent4" accent5="accent5" accent6="accent6" hlink="hlink" folHlink="folHlink"/>
+</p:handoutMaster>
+</file>
+
+<file path=ppt/notesMasters/notesMaster1.xml><?xml version="1.0" encoding="utf-8"?>
+<p:notesMaster xmlns:a="http://schemas.openxmlformats.org/drawingml/2006/main" xmlns:r="http://schemas.openxmlformats.org/officeDocument/2006/relationships" xmlns:p="http://schemas.openxmlformats.org/presentationml/2006/main">
+  <p:cSld>
+    <p:bg>
+      <p:bgRef idx="1001">
+        <a:schemeClr val="bg1"/>
+      </p:bgRef>
+    </p:bg>
+    <p:spTree>
+      <p:nvGrpSpPr>
+        <p:cNvPr id="1" name=""/>
+        <p:cNvGrpSpPr/>
+        <p:nvPr/>
+      </p:nvGrpSpPr>
+      <p:grpSpPr>
+        <a:xfrm>
+          <a:off x="0" y="0"/>
+          <a:ext cx="0" cy="0"/>
+          <a:chOff x="0" y="0"/>
+          <a:chExt cx="0" cy="0"/>
+        </a:xfrm>
+      </p:grpSpPr>
+      <p:sp>
+        <p:nvSpPr>
+          <p:cNvPr id="2" name="Élőfej helye 1"/>
+          <p:cNvSpPr>
+            <a:spLocks noGrp="1"/>
+          </p:cNvSpPr>
+          <p:nvPr>
+            <p:ph type="hdr" sz="quarter"/>
+          </p:nvPr>
+        </p:nvSpPr>
+        <p:spPr>
+          <a:xfrm>
+            <a:off x="0" y="1"/>
+            <a:ext cx="4301543" cy="341064"/>
+          </a:xfrm>
+          <a:prstGeom prst="rect">
+            <a:avLst/>
+          </a:prstGeom>
+        </p:spPr>
+        <p:txBody>
+          <a:bodyPr vert="horz" lIns="91440" tIns="45720" rIns="91440" bIns="45720" rtlCol="0"/>
+          <a:lstStyle>
+            <a:lvl1pPr algn="l">
+              <a:defRPr sz="1200"/>
+            </a:lvl1pPr>
+          </a:lstStyle>
+          <a:p>
+            <a:endParaRPr lang="hu-HU"/>
+          </a:p>
+        </p:txBody>
+      </p:sp>
+      <p:sp>
+        <p:nvSpPr>
+          <p:cNvPr id="3" name="Dátum helye 2"/>
+          <p:cNvSpPr>
+            <a:spLocks noGrp="1"/>
+          </p:cNvSpPr>
+          <p:nvPr>
+            <p:ph type="dt" idx="1"/>
+          </p:nvPr>
+        </p:nvSpPr>
+        <p:spPr>
+          <a:xfrm>
+            <a:off x="5622798" y="1"/>
+            <a:ext cx="4301543" cy="341064"/>
+          </a:xfrm>
+          <a:prstGeom prst="rect">
+            <a:avLst/>
+          </a:prstGeom>
+        </p:spPr>
+        <p:txBody>
+          <a:bodyPr vert="horz" lIns="91440" tIns="45720" rIns="91440" bIns="45720" rtlCol="0"/>
+          <a:lstStyle>
+            <a:lvl1pPr algn="r">
+              <a:defRPr sz="1200"/>
+            </a:lvl1pPr>
+          </a:lstStyle>
+          <a:p>
+            <a:fld id="{020307EF-6082-4DE9-96B8-F452D35F1B64}" type="datetimeFigureOut">
+              <a:rPr lang="hu-HU" smtClean="0"/>
+              <a:t>2019. 03. 07.</a:t>
+            </a:fld>
+            <a:endParaRPr lang="hu-HU"/>
+          </a:p>
+        </p:txBody>
+      </p:sp>
+      <p:sp>
+        <p:nvSpPr>
+          <p:cNvPr id="4" name="Diakép helye 3"/>
+          <p:cNvSpPr>
+            <a:spLocks noGrp="1" noRot="1" noChangeAspect="1"/>
+          </p:cNvSpPr>
+          <p:nvPr>
+            <p:ph type="sldImg" idx="2"/>
+          </p:nvPr>
+        </p:nvSpPr>
+        <p:spPr>
+          <a:xfrm>
+            <a:off x="2924175" y="849313"/>
+            <a:ext cx="4078288" cy="2293937"/>
+          </a:xfrm>
+          <a:prstGeom prst="rect">
+            <a:avLst/>
+          </a:prstGeom>
+          <a:noFill/>
+          <a:ln w="12700">
+            <a:solidFill>
+              <a:prstClr val="black"/>
+            </a:solidFill>
+          </a:ln>
+        </p:spPr>
+        <p:txBody>
+          <a:bodyPr vert="horz" lIns="91440" tIns="45720" rIns="91440" bIns="45720" rtlCol="0" anchor="ctr"/>
+          <a:lstStyle/>
+          <a:p>
+            <a:endParaRPr lang="hu-HU"/>
+          </a:p>
+        </p:txBody>
+      </p:sp>
+      <p:sp>
+        <p:nvSpPr>
+          <p:cNvPr id="5" name="Jegyzetek helye 4"/>
+          <p:cNvSpPr>
+            <a:spLocks noGrp="1"/>
+          </p:cNvSpPr>
+          <p:nvPr>
+            <p:ph type="body" sz="quarter" idx="3"/>
+          </p:nvPr>
+        </p:nvSpPr>
+        <p:spPr>
+          <a:xfrm>
+            <a:off x="992664" y="3271381"/>
+            <a:ext cx="7941310" cy="2676585"/>
+          </a:xfrm>
+          <a:prstGeom prst="rect">
+            <a:avLst/>
+          </a:prstGeom>
+        </p:spPr>
+        <p:txBody>
+          <a:bodyPr vert="horz" lIns="91440" tIns="45720" rIns="91440" bIns="45720" rtlCol="0"/>
+          <a:lstStyle/>
+          <a:p>
+            <a:pPr lvl="0"/>
+            <a:r>
+              <a:rPr lang="hu-HU" smtClean="0"/>
+              <a:t>Mintaszöveg szerkesztése</a:t>
+            </a:r>
+          </a:p>
+          <a:p>
+            <a:pPr lvl="1"/>
+            <a:r>
+              <a:rPr lang="hu-HU" smtClean="0"/>
+              <a:t>Második szint</a:t>
+            </a:r>
+          </a:p>
+          <a:p>
+            <a:pPr lvl="2"/>
+            <a:r>
+              <a:rPr lang="hu-HU" smtClean="0"/>
+              <a:t>Harmadik szint</a:t>
+            </a:r>
+          </a:p>
+          <a:p>
+            <a:pPr lvl="3"/>
+            <a:r>
+              <a:rPr lang="hu-HU" smtClean="0"/>
+              <a:t>Negyedik szint</a:t>
+            </a:r>
+          </a:p>
+          <a:p>
+            <a:pPr lvl="4"/>
+            <a:r>
+              <a:rPr lang="hu-HU" smtClean="0"/>
+              <a:t>Ötödik szint</a:t>
+            </a:r>
+            <a:endParaRPr lang="hu-HU"/>
+          </a:p>
+        </p:txBody>
+      </p:sp>
+      <p:sp>
+        <p:nvSpPr>
+          <p:cNvPr id="6" name="Élőláb helye 5"/>
+          <p:cNvSpPr>
+            <a:spLocks noGrp="1"/>
+          </p:cNvSpPr>
+          <p:nvPr>
+            <p:ph type="ftr" sz="quarter" idx="4"/>
+          </p:nvPr>
+        </p:nvSpPr>
+        <p:spPr>
+          <a:xfrm>
+            <a:off x="0" y="6456612"/>
+            <a:ext cx="4301543" cy="341063"/>
+          </a:xfrm>
+          <a:prstGeom prst="rect">
+            <a:avLst/>
+          </a:prstGeom>
+        </p:spPr>
+        <p:txBody>
+          <a:bodyPr vert="horz" lIns="91440" tIns="45720" rIns="91440" bIns="45720" rtlCol="0" anchor="b"/>
+          <a:lstStyle>
+            <a:lvl1pPr algn="l">
+              <a:defRPr sz="1200"/>
+            </a:lvl1pPr>
+          </a:lstStyle>
+          <a:p>
+            <a:endParaRPr lang="hu-HU"/>
+          </a:p>
+        </p:txBody>
+      </p:sp>
+      <p:sp>
+        <p:nvSpPr>
+          <p:cNvPr id="7" name="Dia számának helye 6"/>
+          <p:cNvSpPr>
+            <a:spLocks noGrp="1"/>
+          </p:cNvSpPr>
+          <p:nvPr>
+            <p:ph type="sldNum" sz="quarter" idx="5"/>
+          </p:nvPr>
+        </p:nvSpPr>
+        <p:spPr>
+          <a:xfrm>
+            <a:off x="5622798" y="6456612"/>
+            <a:ext cx="4301543" cy="341063"/>
+          </a:xfrm>
+          <a:prstGeom prst="rect">
+            <a:avLst/>
+          </a:prstGeom>
+        </p:spPr>
+        <p:txBody>
+          <a:bodyPr vert="horz" lIns="91440" tIns="45720" rIns="91440" bIns="45720" rtlCol="0" anchor="b"/>
+          <a:lstStyle>
+            <a:lvl1pPr algn="r">
+              <a:defRPr sz="1200"/>
+            </a:lvl1pPr>
+          </a:lstStyle>
+          <a:p>
+            <a:fld id="{9CF44FE7-572C-49D6-B6A9-CF4E786F081A}" type="slidenum">
+              <a:rPr lang="hu-HU" smtClean="0"/>
+              <a:t>‹#›</a:t>
+            </a:fld>
+            <a:endParaRPr lang="hu-HU"/>
+          </a:p>
+        </p:txBody>
+      </p:sp>
+    </p:spTree>
+    <p:extLst>
+      <p:ext uri="{BB962C8B-B14F-4D97-AF65-F5344CB8AC3E}">
+        <p14:creationId xmlns:p14="http://schemas.microsoft.com/office/powerpoint/2010/main" val="1986954389"/>
+      </p:ext>
+    </p:extLst>
+  </p:cSld>
+  <p:clrMap bg1="lt1" tx1="dk1" bg2="lt2" tx2="dk2" accent1="accent1" accent2="accent2" accent3="accent3" accent4="accent4" accent5="accent5" accent6="accent6" hlink="hlink" folHlink="folHlink"/>
+  <p:notesStyle>
+    <a:lvl1pPr marL="0" algn="l" defTabSz="914400" rtl="0" eaLnBrk="1" latinLnBrk="0" hangingPunct="1">
+      <a:defRPr sz="1200" kern="1200">
+        <a:solidFill>
+          <a:schemeClr val="tx1"/>
+        </a:solidFill>
+        <a:latin typeface="+mn-lt"/>
+        <a:ea typeface="+mn-ea"/>
+        <a:cs typeface="+mn-cs"/>
+      </a:defRPr>
+    </a:lvl1pPr>
+    <a:lvl2pPr marL="457200" algn="l" defTabSz="914400" rtl="0" eaLnBrk="1" latinLnBrk="0" hangingPunct="1">
+      <a:defRPr sz="1200" kern="1200">
+        <a:solidFill>
+          <a:schemeClr val="tx1"/>
+        </a:solidFill>
+        <a:latin typeface="+mn-lt"/>
+        <a:ea typeface="+mn-ea"/>
+        <a:cs typeface="+mn-cs"/>
+      </a:defRPr>
+    </a:lvl2pPr>
+    <a:lvl3pPr marL="914400" algn="l" defTabSz="914400" rtl="0" eaLnBrk="1" latinLnBrk="0" hangingPunct="1">
+      <a:defRPr sz="1200" kern="1200">
+        <a:solidFill>
+          <a:schemeClr val="tx1"/>
+        </a:solidFill>
+        <a:latin typeface="+mn-lt"/>
+        <a:ea typeface="+mn-ea"/>
+        <a:cs typeface="+mn-cs"/>
+      </a:defRPr>
+    </a:lvl3pPr>
+    <a:lvl4pPr marL="1371600" algn="l" defTabSz="914400" rtl="0" eaLnBrk="1" latinLnBrk="0" hangingPunct="1">
+      <a:defRPr sz="1200" kern="1200">
+        <a:solidFill>
+          <a:schemeClr val="tx1"/>
+        </a:solidFill>
+        <a:latin typeface="+mn-lt"/>
+        <a:ea typeface="+mn-ea"/>
+        <a:cs typeface="+mn-cs"/>
+      </a:defRPr>
+    </a:lvl4pPr>
+    <a:lvl5pPr marL="1828800" algn="l" defTabSz="914400" rtl="0" eaLnBrk="1" latinLnBrk="0" hangingPunct="1">
+      <a:defRPr sz="1200" kern="1200">
+        <a:solidFill>
+          <a:schemeClr val="tx1"/>
+        </a:solidFill>
+        <a:latin typeface="+mn-lt"/>
+        <a:ea typeface="+mn-ea"/>
+        <a:cs typeface="+mn-cs"/>
+      </a:defRPr>
+    </a:lvl5pPr>
+    <a:lvl6pPr marL="2286000" algn="l" defTabSz="914400" rtl="0" eaLnBrk="1" latinLnBrk="0" hangingPunct="1">
+      <a:defRPr sz="1200" kern="1200">
+        <a:solidFill>
+          <a:schemeClr val="tx1"/>
+        </a:solidFill>
+        <a:latin typeface="+mn-lt"/>
+        <a:ea typeface="+mn-ea"/>
+        <a:cs typeface="+mn-cs"/>
+      </a:defRPr>
+    </a:lvl6pPr>
+    <a:lvl7pPr marL="2743200" algn="l" defTabSz="914400" rtl="0" eaLnBrk="1" latinLnBrk="0" hangingPunct="1">
+      <a:defRPr sz="1200" kern="1200">
+        <a:solidFill>
+          <a:schemeClr val="tx1"/>
+        </a:solidFill>
+        <a:latin typeface="+mn-lt"/>
+        <a:ea typeface="+mn-ea"/>
+        <a:cs typeface="+mn-cs"/>
+      </a:defRPr>
+    </a:lvl7pPr>
+    <a:lvl8pPr marL="3200400" algn="l" defTabSz="914400" rtl="0" eaLnBrk="1" latinLnBrk="0" hangingPunct="1">
+      <a:defRPr sz="1200" kern="1200">
+        <a:solidFill>
+          <a:schemeClr val="tx1"/>
+        </a:solidFill>
+        <a:latin typeface="+mn-lt"/>
+        <a:ea typeface="+mn-ea"/>
+        <a:cs typeface="+mn-cs"/>
+      </a:defRPr>
+    </a:lvl8pPr>
+    <a:lvl9pPr marL="3657600" algn="l" defTabSz="914400" rtl="0" eaLnBrk="1" latinLnBrk="0" hangingPunct="1">
+      <a:defRPr sz="1200" kern="1200">
+        <a:solidFill>
+          <a:schemeClr val="tx1"/>
+        </a:solidFill>
+        <a:latin typeface="+mn-lt"/>
+        <a:ea typeface="+mn-ea"/>
+        <a:cs typeface="+mn-cs"/>
+      </a:defRPr>
+    </a:lvl9pPr>
+  </p:notesStyle>
+</p:notesMaster>
+</file>
+
+<file path=ppt/notesSlides/notesSlide1.xml><?xml version="1.0" encoding="utf-8"?>
+<p:notes xmlns:a="http://schemas.openxmlformats.org/drawingml/2006/main" xmlns:r="http://schemas.openxmlformats.org/officeDocument/2006/relationships" xmlns:p="http://schemas.openxmlformats.org/presentationml/2006/main">
+  <p:cSld>
+    <p:spTree>
+      <p:nvGrpSpPr>
+        <p:cNvPr id="1" name=""/>
+        <p:cNvGrpSpPr/>
+        <p:nvPr/>
+      </p:nvGrpSpPr>
+      <p:grpSpPr>
+        <a:xfrm>
+          <a:off x="0" y="0"/>
+          <a:ext cx="0" cy="0"/>
+          <a:chOff x="0" y="0"/>
+          <a:chExt cx="0" cy="0"/>
+        </a:xfrm>
+      </p:grpSpPr>
+      <p:sp>
+        <p:nvSpPr>
+          <p:cNvPr id="2" name="Diakép helye 1"/>
+          <p:cNvSpPr>
+            <a:spLocks noGrp="1" noRot="1" noChangeAspect="1"/>
+          </p:cNvSpPr>
+          <p:nvPr>
+            <p:ph type="sldImg"/>
+          </p:nvPr>
+        </p:nvSpPr>
+        <p:spPr/>
+      </p:sp>
+      <p:sp>
+        <p:nvSpPr>
+          <p:cNvPr id="3" name="Jegyzetek helye 2"/>
+          <p:cNvSpPr>
+            <a:spLocks noGrp="1"/>
+          </p:cNvSpPr>
+          <p:nvPr>
+            <p:ph type="body" idx="1"/>
+          </p:nvPr>
+        </p:nvSpPr>
+        <p:spPr/>
+        <p:txBody>
+          <a:bodyPr/>
+          <a:lstStyle/>
+          <a:p>
+            <a:endParaRPr lang="hu-HU"/>
+          </a:p>
+        </p:txBody>
+      </p:sp>
+      <p:sp>
+        <p:nvSpPr>
+          <p:cNvPr id="4" name="Dia számának helye 3"/>
+          <p:cNvSpPr>
+            <a:spLocks noGrp="1"/>
+          </p:cNvSpPr>
+          <p:nvPr>
+            <p:ph type="sldNum" sz="quarter" idx="10"/>
+          </p:nvPr>
+        </p:nvSpPr>
+        <p:spPr/>
+        <p:txBody>
+          <a:bodyPr/>
+          <a:lstStyle/>
+          <a:p>
+            <a:fld id="{9CF44FE7-572C-49D6-B6A9-CF4E786F081A}" type="slidenum">
+              <a:rPr lang="hu-HU" smtClean="0"/>
+              <a:t>1</a:t>
+            </a:fld>
+            <a:endParaRPr lang="hu-HU"/>
+          </a:p>
+        </p:txBody>
+      </p:sp>
+    </p:spTree>
+    <p:extLst>
+      <p:ext uri="{BB962C8B-B14F-4D97-AF65-F5344CB8AC3E}">
+        <p14:creationId xmlns:p14="http://schemas.microsoft.com/office/powerpoint/2010/main" val="2427760306"/>
+      </p:ext>
+    </p:extLst>
+  </p:cSld>
+  <p:clrMapOvr>
+    <a:masterClrMapping/>
+  </p:clrMapOvr>
+</p:notes>
+</file>
+
+<file path=ppt/notesSlides/notesSlide10.xml><?xml version="1.0" encoding="utf-8"?>
+<p:notes xmlns:a="http://schemas.openxmlformats.org/drawingml/2006/main" xmlns:r="http://schemas.openxmlformats.org/officeDocument/2006/relationships" xmlns:p="http://schemas.openxmlformats.org/presentationml/2006/main">
+  <p:cSld>
+    <p:spTree>
+      <p:nvGrpSpPr>
+        <p:cNvPr id="1" name=""/>
+        <p:cNvGrpSpPr/>
+        <p:nvPr/>
+      </p:nvGrpSpPr>
+      <p:grpSpPr>
+        <a:xfrm>
+          <a:off x="0" y="0"/>
+          <a:ext cx="0" cy="0"/>
+          <a:chOff x="0" y="0"/>
+          <a:chExt cx="0" cy="0"/>
+        </a:xfrm>
+      </p:grpSpPr>
+      <p:sp>
+        <p:nvSpPr>
+          <p:cNvPr id="2" name="Diakép helye 1"/>
+          <p:cNvSpPr>
+            <a:spLocks noGrp="1" noRot="1" noChangeAspect="1"/>
+          </p:cNvSpPr>
+          <p:nvPr>
+            <p:ph type="sldImg"/>
+          </p:nvPr>
+        </p:nvSpPr>
+        <p:spPr/>
+      </p:sp>
+      <p:sp>
+        <p:nvSpPr>
+          <p:cNvPr id="3" name="Jegyzetek helye 2"/>
+          <p:cNvSpPr>
+            <a:spLocks noGrp="1"/>
+          </p:cNvSpPr>
+          <p:nvPr>
+            <p:ph type="body" idx="1"/>
+          </p:nvPr>
+        </p:nvSpPr>
+        <p:spPr/>
+        <p:txBody>
+          <a:bodyPr/>
+          <a:lstStyle/>
+          <a:p>
+            <a:endParaRPr lang="hu-HU"/>
+          </a:p>
+        </p:txBody>
+      </p:sp>
+      <p:sp>
+        <p:nvSpPr>
+          <p:cNvPr id="4" name="Dia számának helye 3"/>
+          <p:cNvSpPr>
+            <a:spLocks noGrp="1"/>
+          </p:cNvSpPr>
+          <p:nvPr>
+            <p:ph type="sldNum" sz="quarter" idx="10"/>
+          </p:nvPr>
+        </p:nvSpPr>
+        <p:spPr/>
+        <p:txBody>
+          <a:bodyPr/>
+          <a:lstStyle/>
+          <a:p>
+            <a:fld id="{9CF44FE7-572C-49D6-B6A9-CF4E786F081A}" type="slidenum">
+              <a:rPr lang="hu-HU" smtClean="0"/>
+              <a:t>10</a:t>
+            </a:fld>
+            <a:endParaRPr lang="hu-HU"/>
+          </a:p>
+        </p:txBody>
+      </p:sp>
+    </p:spTree>
+    <p:extLst>
+      <p:ext uri="{BB962C8B-B14F-4D97-AF65-F5344CB8AC3E}">
+        <p14:creationId xmlns:p14="http://schemas.microsoft.com/office/powerpoint/2010/main" val="3108779723"/>
+      </p:ext>
+    </p:extLst>
+  </p:cSld>
+  <p:clrMapOvr>
+    <a:masterClrMapping/>
+  </p:clrMapOvr>
+</p:notes>
+</file>
+
+<file path=ppt/notesSlides/notesSlide11.xml><?xml version="1.0" encoding="utf-8"?>
+<p:notes xmlns:a="http://schemas.openxmlformats.org/drawingml/2006/main" xmlns:r="http://schemas.openxmlformats.org/officeDocument/2006/relationships" xmlns:p="http://schemas.openxmlformats.org/presentationml/2006/main">
+  <p:cSld>
+    <p:spTree>
+      <p:nvGrpSpPr>
+        <p:cNvPr id="1" name=""/>
+        <p:cNvGrpSpPr/>
+        <p:nvPr/>
+      </p:nvGrpSpPr>
+      <p:grpSpPr>
+        <a:xfrm>
+          <a:off x="0" y="0"/>
+          <a:ext cx="0" cy="0"/>
+          <a:chOff x="0" y="0"/>
+          <a:chExt cx="0" cy="0"/>
+        </a:xfrm>
+      </p:grpSpPr>
+      <p:sp>
+        <p:nvSpPr>
+          <p:cNvPr id="2" name="Diakép helye 1"/>
+          <p:cNvSpPr>
+            <a:spLocks noGrp="1" noRot="1" noChangeAspect="1"/>
+          </p:cNvSpPr>
+          <p:nvPr>
+            <p:ph type="sldImg"/>
+          </p:nvPr>
+        </p:nvSpPr>
+        <p:spPr/>
+      </p:sp>
+      <p:sp>
+        <p:nvSpPr>
+          <p:cNvPr id="3" name="Jegyzetek helye 2"/>
+          <p:cNvSpPr>
+            <a:spLocks noGrp="1"/>
+          </p:cNvSpPr>
+          <p:nvPr>
+            <p:ph type="body" idx="1"/>
+          </p:nvPr>
+        </p:nvSpPr>
+        <p:spPr/>
+        <p:txBody>
+          <a:bodyPr/>
+          <a:lstStyle/>
+          <a:p>
+            <a:endParaRPr lang="hu-HU"/>
+          </a:p>
+        </p:txBody>
+      </p:sp>
+      <p:sp>
+        <p:nvSpPr>
+          <p:cNvPr id="4" name="Dia számának helye 3"/>
+          <p:cNvSpPr>
+            <a:spLocks noGrp="1"/>
+          </p:cNvSpPr>
+          <p:nvPr>
+            <p:ph type="sldNum" sz="quarter" idx="10"/>
+          </p:nvPr>
+        </p:nvSpPr>
+        <p:spPr/>
+        <p:txBody>
+          <a:bodyPr/>
+          <a:lstStyle/>
+          <a:p>
+            <a:fld id="{9CF44FE7-572C-49D6-B6A9-CF4E786F081A}" type="slidenum">
+              <a:rPr lang="hu-HU" smtClean="0"/>
+              <a:t>11</a:t>
+            </a:fld>
+            <a:endParaRPr lang="hu-HU"/>
+          </a:p>
+        </p:txBody>
+      </p:sp>
+    </p:spTree>
+    <p:extLst>
+      <p:ext uri="{BB962C8B-B14F-4D97-AF65-F5344CB8AC3E}">
+        <p14:creationId xmlns:p14="http://schemas.microsoft.com/office/powerpoint/2010/main" val="2962585565"/>
+      </p:ext>
+    </p:extLst>
+  </p:cSld>
+  <p:clrMapOvr>
+    <a:masterClrMapping/>
+  </p:clrMapOvr>
+</p:notes>
+</file>
+
+<file path=ppt/notesSlides/notesSlide12.xml><?xml version="1.0" encoding="utf-8"?>
+<p:notes xmlns:a="http://schemas.openxmlformats.org/drawingml/2006/main" xmlns:r="http://schemas.openxmlformats.org/officeDocument/2006/relationships" xmlns:p="http://schemas.openxmlformats.org/presentationml/2006/main">
+  <p:cSld>
+    <p:spTree>
+      <p:nvGrpSpPr>
+        <p:cNvPr id="1" name=""/>
+        <p:cNvGrpSpPr/>
+        <p:nvPr/>
+      </p:nvGrpSpPr>
+      <p:grpSpPr>
+        <a:xfrm>
+          <a:off x="0" y="0"/>
+          <a:ext cx="0" cy="0"/>
+          <a:chOff x="0" y="0"/>
+          <a:chExt cx="0" cy="0"/>
+        </a:xfrm>
+      </p:grpSpPr>
+      <p:sp>
+        <p:nvSpPr>
+          <p:cNvPr id="2" name="Diakép helye 1"/>
+          <p:cNvSpPr>
+            <a:spLocks noGrp="1" noRot="1" noChangeAspect="1"/>
+          </p:cNvSpPr>
+          <p:nvPr>
+            <p:ph type="sldImg"/>
+          </p:nvPr>
+        </p:nvSpPr>
+        <p:spPr/>
+      </p:sp>
+      <p:sp>
+        <p:nvSpPr>
+          <p:cNvPr id="3" name="Jegyzetek helye 2"/>
+          <p:cNvSpPr>
+            <a:spLocks noGrp="1"/>
+          </p:cNvSpPr>
+          <p:nvPr>
+            <p:ph type="body" idx="1"/>
+          </p:nvPr>
+        </p:nvSpPr>
+        <p:spPr/>
+        <p:txBody>
+          <a:bodyPr/>
+          <a:lstStyle/>
+          <a:p>
+            <a:endParaRPr lang="hu-HU"/>
+          </a:p>
+        </p:txBody>
+      </p:sp>
+      <p:sp>
+        <p:nvSpPr>
+          <p:cNvPr id="4" name="Dia számának helye 3"/>
+          <p:cNvSpPr>
+            <a:spLocks noGrp="1"/>
+          </p:cNvSpPr>
+          <p:nvPr>
+            <p:ph type="sldNum" sz="quarter" idx="10"/>
+          </p:nvPr>
+        </p:nvSpPr>
+        <p:spPr/>
+        <p:txBody>
+          <a:bodyPr/>
+          <a:lstStyle/>
+          <a:p>
+            <a:fld id="{9CF44FE7-572C-49D6-B6A9-CF4E786F081A}" type="slidenum">
+              <a:rPr lang="hu-HU" smtClean="0"/>
+              <a:t>12</a:t>
+            </a:fld>
+            <a:endParaRPr lang="hu-HU"/>
+          </a:p>
+        </p:txBody>
+      </p:sp>
+    </p:spTree>
+    <p:extLst>
+      <p:ext uri="{BB962C8B-B14F-4D97-AF65-F5344CB8AC3E}">
+        <p14:creationId xmlns:p14="http://schemas.microsoft.com/office/powerpoint/2010/main" val="3037817536"/>
+      </p:ext>
+    </p:extLst>
+  </p:cSld>
+  <p:clrMapOvr>
+    <a:masterClrMapping/>
+  </p:clrMapOvr>
+</p:notes>
+</file>
+
+<file path=ppt/notesSlides/notesSlide13.xml><?xml version="1.0" encoding="utf-8"?>
+<p:notes xmlns:a="http://schemas.openxmlformats.org/drawingml/2006/main" xmlns:r="http://schemas.openxmlformats.org/officeDocument/2006/relationships" xmlns:p="http://schemas.openxmlformats.org/presentationml/2006/main">
+  <p:cSld>
+    <p:spTree>
+      <p:nvGrpSpPr>
+        <p:cNvPr id="1" name=""/>
+        <p:cNvGrpSpPr/>
+        <p:nvPr/>
+      </p:nvGrpSpPr>
+      <p:grpSpPr>
+        <a:xfrm>
+          <a:off x="0" y="0"/>
+          <a:ext cx="0" cy="0"/>
+          <a:chOff x="0" y="0"/>
+          <a:chExt cx="0" cy="0"/>
+        </a:xfrm>
+      </p:grpSpPr>
+      <p:sp>
+        <p:nvSpPr>
+          <p:cNvPr id="2" name="Diakép helye 1"/>
+          <p:cNvSpPr>
+            <a:spLocks noGrp="1" noRot="1" noChangeAspect="1"/>
+          </p:cNvSpPr>
+          <p:nvPr>
+            <p:ph type="sldImg"/>
+          </p:nvPr>
+        </p:nvSpPr>
+        <p:spPr/>
+      </p:sp>
+      <p:sp>
+        <p:nvSpPr>
+          <p:cNvPr id="3" name="Jegyzetek helye 2"/>
+          <p:cNvSpPr>
+            <a:spLocks noGrp="1"/>
+          </p:cNvSpPr>
+          <p:nvPr>
+            <p:ph type="body" idx="1"/>
+          </p:nvPr>
+        </p:nvSpPr>
+        <p:spPr/>
+        <p:txBody>
+          <a:bodyPr/>
+          <a:lstStyle/>
+          <a:p>
+            <a:endParaRPr lang="hu-HU"/>
+          </a:p>
+        </p:txBody>
+      </p:sp>
+      <p:sp>
+        <p:nvSpPr>
+          <p:cNvPr id="4" name="Dia számának helye 3"/>
+          <p:cNvSpPr>
+            <a:spLocks noGrp="1"/>
+          </p:cNvSpPr>
+          <p:nvPr>
+            <p:ph type="sldNum" sz="quarter" idx="10"/>
+          </p:nvPr>
+        </p:nvSpPr>
+        <p:spPr/>
+        <p:txBody>
+          <a:bodyPr/>
+          <a:lstStyle/>
+          <a:p>
+            <a:fld id="{9CF44FE7-572C-49D6-B6A9-CF4E786F081A}" type="slidenum">
+              <a:rPr lang="hu-HU" smtClean="0"/>
+              <a:t>13</a:t>
+            </a:fld>
+            <a:endParaRPr lang="hu-HU"/>
+          </a:p>
+        </p:txBody>
+      </p:sp>
+    </p:spTree>
+    <p:extLst>
+      <p:ext uri="{BB962C8B-B14F-4D97-AF65-F5344CB8AC3E}">
+        <p14:creationId xmlns:p14="http://schemas.microsoft.com/office/powerpoint/2010/main" val="1566268627"/>
+      </p:ext>
+    </p:extLst>
+  </p:cSld>
+  <p:clrMapOvr>
+    <a:masterClrMapping/>
+  </p:clrMapOvr>
+</p:notes>
+</file>
+
+<file path=ppt/notesSlides/notesSlide14.xml><?xml version="1.0" encoding="utf-8"?>
+<p:notes xmlns:a="http://schemas.openxmlformats.org/drawingml/2006/main" xmlns:r="http://schemas.openxmlformats.org/officeDocument/2006/relationships" xmlns:p="http://schemas.openxmlformats.org/presentationml/2006/main">
+  <p:cSld>
+    <p:spTree>
+      <p:nvGrpSpPr>
+        <p:cNvPr id="1" name=""/>
+        <p:cNvGrpSpPr/>
+        <p:nvPr/>
+      </p:nvGrpSpPr>
+      <p:grpSpPr>
+        <a:xfrm>
+          <a:off x="0" y="0"/>
+          <a:ext cx="0" cy="0"/>
+          <a:chOff x="0" y="0"/>
+          <a:chExt cx="0" cy="0"/>
+        </a:xfrm>
+      </p:grpSpPr>
+      <p:sp>
+        <p:nvSpPr>
+          <p:cNvPr id="2" name="Diakép helye 1"/>
+          <p:cNvSpPr>
+            <a:spLocks noGrp="1" noRot="1" noChangeAspect="1"/>
+          </p:cNvSpPr>
+          <p:nvPr>
+            <p:ph type="sldImg"/>
+          </p:nvPr>
+        </p:nvSpPr>
+        <p:spPr/>
+      </p:sp>
+      <p:sp>
+        <p:nvSpPr>
+          <p:cNvPr id="3" name="Jegyzetek helye 2"/>
+          <p:cNvSpPr>
+            <a:spLocks noGrp="1"/>
+          </p:cNvSpPr>
+          <p:nvPr>
+            <p:ph type="body" idx="1"/>
+          </p:nvPr>
+        </p:nvSpPr>
+        <p:spPr/>
+        <p:txBody>
+          <a:bodyPr/>
+          <a:lstStyle/>
+          <a:p>
+            <a:endParaRPr lang="hu-HU"/>
+          </a:p>
+        </p:txBody>
+      </p:sp>
+      <p:sp>
+        <p:nvSpPr>
+          <p:cNvPr id="4" name="Dia számának helye 3"/>
+          <p:cNvSpPr>
+            <a:spLocks noGrp="1"/>
+          </p:cNvSpPr>
+          <p:nvPr>
+            <p:ph type="sldNum" sz="quarter" idx="10"/>
+          </p:nvPr>
+        </p:nvSpPr>
+        <p:spPr/>
+        <p:txBody>
+          <a:bodyPr/>
+          <a:lstStyle/>
+          <a:p>
+            <a:fld id="{9CF44FE7-572C-49D6-B6A9-CF4E786F081A}" type="slidenum">
+              <a:rPr lang="hu-HU" smtClean="0"/>
+              <a:t>14</a:t>
+            </a:fld>
+            <a:endParaRPr lang="hu-HU"/>
+          </a:p>
+        </p:txBody>
+      </p:sp>
+    </p:spTree>
+    <p:extLst>
+      <p:ext uri="{BB962C8B-B14F-4D97-AF65-F5344CB8AC3E}">
+        <p14:creationId xmlns:p14="http://schemas.microsoft.com/office/powerpoint/2010/main" val="3094853237"/>
+      </p:ext>
+    </p:extLst>
+  </p:cSld>
+  <p:clrMapOvr>
+    <a:masterClrMapping/>
+  </p:clrMapOvr>
+</p:notes>
+</file>
+
+<file path=ppt/notesSlides/notesSlide15.xml><?xml version="1.0" encoding="utf-8"?>
+<p:notes xmlns:a="http://schemas.openxmlformats.org/drawingml/2006/main" xmlns:r="http://schemas.openxmlformats.org/officeDocument/2006/relationships" xmlns:p="http://schemas.openxmlformats.org/presentationml/2006/main">
+  <p:cSld>
+    <p:spTree>
+      <p:nvGrpSpPr>
+        <p:cNvPr id="1" name=""/>
+        <p:cNvGrpSpPr/>
+        <p:nvPr/>
+      </p:nvGrpSpPr>
+      <p:grpSpPr>
+        <a:xfrm>
+          <a:off x="0" y="0"/>
+          <a:ext cx="0" cy="0"/>
+          <a:chOff x="0" y="0"/>
+          <a:chExt cx="0" cy="0"/>
+        </a:xfrm>
+      </p:grpSpPr>
+      <p:sp>
+        <p:nvSpPr>
+          <p:cNvPr id="2" name="Diakép helye 1"/>
+          <p:cNvSpPr>
+            <a:spLocks noGrp="1" noRot="1" noChangeAspect="1"/>
+          </p:cNvSpPr>
+          <p:nvPr>
+            <p:ph type="sldImg"/>
+          </p:nvPr>
+        </p:nvSpPr>
+        <p:spPr/>
+      </p:sp>
+      <p:sp>
+        <p:nvSpPr>
+          <p:cNvPr id="3" name="Jegyzetek helye 2"/>
+          <p:cNvSpPr>
+            <a:spLocks noGrp="1"/>
+          </p:cNvSpPr>
+          <p:nvPr>
+            <p:ph type="body" idx="1"/>
+          </p:nvPr>
+        </p:nvSpPr>
+        <p:spPr/>
+        <p:txBody>
+          <a:bodyPr/>
+          <a:lstStyle/>
+          <a:p>
+            <a:endParaRPr lang="hu-HU"/>
+          </a:p>
+        </p:txBody>
+      </p:sp>
+      <p:sp>
+        <p:nvSpPr>
+          <p:cNvPr id="4" name="Dia számának helye 3"/>
+          <p:cNvSpPr>
+            <a:spLocks noGrp="1"/>
+          </p:cNvSpPr>
+          <p:nvPr>
+            <p:ph type="sldNum" sz="quarter" idx="10"/>
+          </p:nvPr>
+        </p:nvSpPr>
+        <p:spPr/>
+        <p:txBody>
+          <a:bodyPr/>
+          <a:lstStyle/>
+          <a:p>
+            <a:fld id="{9CF44FE7-572C-49D6-B6A9-CF4E786F081A}" type="slidenum">
+              <a:rPr lang="hu-HU" smtClean="0"/>
+              <a:t>15</a:t>
+            </a:fld>
+            <a:endParaRPr lang="hu-HU"/>
+          </a:p>
+        </p:txBody>
+      </p:sp>
+    </p:spTree>
+    <p:extLst>
+      <p:ext uri="{BB962C8B-B14F-4D97-AF65-F5344CB8AC3E}">
+        <p14:creationId xmlns:p14="http://schemas.microsoft.com/office/powerpoint/2010/main" val="3212639707"/>
+      </p:ext>
+    </p:extLst>
+  </p:cSld>
+  <p:clrMapOvr>
+    <a:masterClrMapping/>
+  </p:clrMapOvr>
+</p:notes>
+</file>
+
+<file path=ppt/notesSlides/notesSlide16.xml><?xml version="1.0" encoding="utf-8"?>
+<p:notes xmlns:a="http://schemas.openxmlformats.org/drawingml/2006/main" xmlns:r="http://schemas.openxmlformats.org/officeDocument/2006/relationships" xmlns:p="http://schemas.openxmlformats.org/presentationml/2006/main">
+  <p:cSld>
+    <p:spTree>
+      <p:nvGrpSpPr>
+        <p:cNvPr id="1" name=""/>
+        <p:cNvGrpSpPr/>
+        <p:nvPr/>
+      </p:nvGrpSpPr>
+      <p:grpSpPr>
+        <a:xfrm>
+          <a:off x="0" y="0"/>
+          <a:ext cx="0" cy="0"/>
+          <a:chOff x="0" y="0"/>
+          <a:chExt cx="0" cy="0"/>
+        </a:xfrm>
+      </p:grpSpPr>
+      <p:sp>
+        <p:nvSpPr>
+          <p:cNvPr id="2" name="Diakép helye 1"/>
+          <p:cNvSpPr>
+            <a:spLocks noGrp="1" noRot="1" noChangeAspect="1"/>
+          </p:cNvSpPr>
+          <p:nvPr>
+            <p:ph type="sldImg"/>
+          </p:nvPr>
+        </p:nvSpPr>
+        <p:spPr/>
+      </p:sp>
+      <p:sp>
+        <p:nvSpPr>
+          <p:cNvPr id="3" name="Jegyzetek helye 2"/>
+          <p:cNvSpPr>
+            <a:spLocks noGrp="1"/>
+          </p:cNvSpPr>
+          <p:nvPr>
+            <p:ph type="body" idx="1"/>
+          </p:nvPr>
+        </p:nvSpPr>
+        <p:spPr/>
+        <p:txBody>
+          <a:bodyPr/>
+          <a:lstStyle/>
+          <a:p>
+            <a:endParaRPr lang="hu-HU"/>
+          </a:p>
+        </p:txBody>
+      </p:sp>
+      <p:sp>
+        <p:nvSpPr>
+          <p:cNvPr id="4" name="Dia számának helye 3"/>
+          <p:cNvSpPr>
+            <a:spLocks noGrp="1"/>
+          </p:cNvSpPr>
+          <p:nvPr>
+            <p:ph type="sldNum" sz="quarter" idx="10"/>
+          </p:nvPr>
+        </p:nvSpPr>
+        <p:spPr/>
+        <p:txBody>
+          <a:bodyPr/>
+          <a:lstStyle/>
+          <a:p>
+            <a:fld id="{9CF44FE7-572C-49D6-B6A9-CF4E786F081A}" type="slidenum">
+              <a:rPr lang="hu-HU" smtClean="0"/>
+              <a:t>16</a:t>
+            </a:fld>
+            <a:endParaRPr lang="hu-HU"/>
+          </a:p>
+        </p:txBody>
+      </p:sp>
+    </p:spTree>
+    <p:extLst>
+      <p:ext uri="{BB962C8B-B14F-4D97-AF65-F5344CB8AC3E}">
+        <p14:creationId xmlns:p14="http://schemas.microsoft.com/office/powerpoint/2010/main" val="3677542859"/>
+      </p:ext>
+    </p:extLst>
+  </p:cSld>
+  <p:clrMapOvr>
+    <a:masterClrMapping/>
+  </p:clrMapOvr>
+</p:notes>
+</file>
+
+<file path=ppt/notesSlides/notesSlide17.xml><?xml version="1.0" encoding="utf-8"?>
+<p:notes xmlns:a="http://schemas.openxmlformats.org/drawingml/2006/main" xmlns:r="http://schemas.openxmlformats.org/officeDocument/2006/relationships" xmlns:p="http://schemas.openxmlformats.org/presentationml/2006/main">
+  <p:cSld>
+    <p:spTree>
+      <p:nvGrpSpPr>
+        <p:cNvPr id="1" name=""/>
+        <p:cNvGrpSpPr/>
+        <p:nvPr/>
+      </p:nvGrpSpPr>
+      <p:grpSpPr>
+        <a:xfrm>
+          <a:off x="0" y="0"/>
+          <a:ext cx="0" cy="0"/>
+          <a:chOff x="0" y="0"/>
+          <a:chExt cx="0" cy="0"/>
+        </a:xfrm>
+      </p:grpSpPr>
+      <p:sp>
+        <p:nvSpPr>
+          <p:cNvPr id="2" name="Diakép helye 1"/>
+          <p:cNvSpPr>
+            <a:spLocks noGrp="1" noRot="1" noChangeAspect="1"/>
+          </p:cNvSpPr>
+          <p:nvPr>
+            <p:ph type="sldImg"/>
+          </p:nvPr>
+        </p:nvSpPr>
+        <p:spPr/>
+      </p:sp>
+      <p:sp>
+        <p:nvSpPr>
+          <p:cNvPr id="3" name="Jegyzetek helye 2"/>
+          <p:cNvSpPr>
+            <a:spLocks noGrp="1"/>
+          </p:cNvSpPr>
+          <p:nvPr>
+            <p:ph type="body" idx="1"/>
+          </p:nvPr>
+        </p:nvSpPr>
+        <p:spPr/>
+        <p:txBody>
+          <a:bodyPr/>
+          <a:lstStyle/>
+          <a:p>
+            <a:endParaRPr lang="hu-HU"/>
+          </a:p>
+        </p:txBody>
+      </p:sp>
+      <p:sp>
+        <p:nvSpPr>
+          <p:cNvPr id="4" name="Dia számának helye 3"/>
+          <p:cNvSpPr>
+            <a:spLocks noGrp="1"/>
+          </p:cNvSpPr>
+          <p:nvPr>
+            <p:ph type="sldNum" sz="quarter" idx="10"/>
+          </p:nvPr>
+        </p:nvSpPr>
+        <p:spPr/>
+        <p:txBody>
+          <a:bodyPr/>
+          <a:lstStyle/>
+          <a:p>
+            <a:fld id="{9CF44FE7-572C-49D6-B6A9-CF4E786F081A}" type="slidenum">
+              <a:rPr lang="hu-HU" smtClean="0"/>
+              <a:t>17</a:t>
+            </a:fld>
+            <a:endParaRPr lang="hu-HU"/>
+          </a:p>
+        </p:txBody>
+      </p:sp>
+    </p:spTree>
+    <p:extLst>
+      <p:ext uri="{BB962C8B-B14F-4D97-AF65-F5344CB8AC3E}">
+        <p14:creationId xmlns:p14="http://schemas.microsoft.com/office/powerpoint/2010/main" val="1721724997"/>
+      </p:ext>
+    </p:extLst>
+  </p:cSld>
+  <p:clrMapOvr>
+    <a:masterClrMapping/>
+  </p:clrMapOvr>
+</p:notes>
+</file>
+
+<file path=ppt/notesSlides/notesSlide18.xml><?xml version="1.0" encoding="utf-8"?>
+<p:notes xmlns:a="http://schemas.openxmlformats.org/drawingml/2006/main" xmlns:r="http://schemas.openxmlformats.org/officeDocument/2006/relationships" xmlns:p="http://schemas.openxmlformats.org/presentationml/2006/main">
+  <p:cSld>
+    <p:spTree>
+      <p:nvGrpSpPr>
+        <p:cNvPr id="1" name=""/>
+        <p:cNvGrpSpPr/>
+        <p:nvPr/>
+      </p:nvGrpSpPr>
+      <p:grpSpPr>
+        <a:xfrm>
+          <a:off x="0" y="0"/>
+          <a:ext cx="0" cy="0"/>
+          <a:chOff x="0" y="0"/>
+          <a:chExt cx="0" cy="0"/>
+        </a:xfrm>
+      </p:grpSpPr>
+      <p:sp>
+        <p:nvSpPr>
+          <p:cNvPr id="2" name="Diakép helye 1"/>
+          <p:cNvSpPr>
+            <a:spLocks noGrp="1" noRot="1" noChangeAspect="1"/>
+          </p:cNvSpPr>
+          <p:nvPr>
+            <p:ph type="sldImg"/>
+          </p:nvPr>
+        </p:nvSpPr>
+        <p:spPr/>
+      </p:sp>
+      <p:sp>
+        <p:nvSpPr>
+          <p:cNvPr id="3" name="Jegyzetek helye 2"/>
+          <p:cNvSpPr>
+            <a:spLocks noGrp="1"/>
+          </p:cNvSpPr>
+          <p:nvPr>
+            <p:ph type="body" idx="1"/>
+          </p:nvPr>
+        </p:nvSpPr>
+        <p:spPr/>
+        <p:txBody>
+          <a:bodyPr/>
+          <a:lstStyle/>
+          <a:p>
+            <a:endParaRPr lang="hu-HU"/>
+          </a:p>
+        </p:txBody>
+      </p:sp>
+      <p:sp>
+        <p:nvSpPr>
+          <p:cNvPr id="4" name="Dia számának helye 3"/>
+          <p:cNvSpPr>
+            <a:spLocks noGrp="1"/>
+          </p:cNvSpPr>
+          <p:nvPr>
+            <p:ph type="sldNum" sz="quarter" idx="10"/>
+          </p:nvPr>
+        </p:nvSpPr>
+        <p:spPr/>
+        <p:txBody>
+          <a:bodyPr/>
+          <a:lstStyle/>
+          <a:p>
+            <a:fld id="{9CF44FE7-572C-49D6-B6A9-CF4E786F081A}" type="slidenum">
+              <a:rPr lang="hu-HU" smtClean="0"/>
+              <a:t>18</a:t>
+            </a:fld>
+            <a:endParaRPr lang="hu-HU"/>
+          </a:p>
+        </p:txBody>
+      </p:sp>
+    </p:spTree>
+    <p:extLst>
+      <p:ext uri="{BB962C8B-B14F-4D97-AF65-F5344CB8AC3E}">
+        <p14:creationId xmlns:p14="http://schemas.microsoft.com/office/powerpoint/2010/main" val="1175075892"/>
+      </p:ext>
+    </p:extLst>
+  </p:cSld>
+  <p:clrMapOvr>
+    <a:masterClrMapping/>
+  </p:clrMapOvr>
+</p:notes>
+</file>
+
+<file path=ppt/notesSlides/notesSlide19.xml><?xml version="1.0" encoding="utf-8"?>
+<p:notes xmlns:a="http://schemas.openxmlformats.org/drawingml/2006/main" xmlns:r="http://schemas.openxmlformats.org/officeDocument/2006/relationships" xmlns:p="http://schemas.openxmlformats.org/presentationml/2006/main">
+  <p:cSld>
+    <p:spTree>
+      <p:nvGrpSpPr>
+        <p:cNvPr id="1" name=""/>
+        <p:cNvGrpSpPr/>
+        <p:nvPr/>
+      </p:nvGrpSpPr>
+      <p:grpSpPr>
+        <a:xfrm>
+          <a:off x="0" y="0"/>
+          <a:ext cx="0" cy="0"/>
+          <a:chOff x="0" y="0"/>
+          <a:chExt cx="0" cy="0"/>
+        </a:xfrm>
+      </p:grpSpPr>
+      <p:sp>
+        <p:nvSpPr>
+          <p:cNvPr id="2" name="Diakép helye 1"/>
+          <p:cNvSpPr>
+            <a:spLocks noGrp="1" noRot="1" noChangeAspect="1"/>
+          </p:cNvSpPr>
+          <p:nvPr>
+            <p:ph type="sldImg"/>
+          </p:nvPr>
+        </p:nvSpPr>
+        <p:spPr/>
+      </p:sp>
+      <p:sp>
+        <p:nvSpPr>
+          <p:cNvPr id="3" name="Jegyzetek helye 2"/>
+          <p:cNvSpPr>
+            <a:spLocks noGrp="1"/>
+          </p:cNvSpPr>
+          <p:nvPr>
+            <p:ph type="body" idx="1"/>
+          </p:nvPr>
+        </p:nvSpPr>
+        <p:spPr/>
+        <p:txBody>
+          <a:bodyPr/>
+          <a:lstStyle/>
+          <a:p>
+            <a:endParaRPr lang="hu-HU"/>
+          </a:p>
+        </p:txBody>
+      </p:sp>
+      <p:sp>
+        <p:nvSpPr>
+          <p:cNvPr id="4" name="Dia számának helye 3"/>
+          <p:cNvSpPr>
+            <a:spLocks noGrp="1"/>
+          </p:cNvSpPr>
+          <p:nvPr>
+            <p:ph type="sldNum" sz="quarter" idx="10"/>
+          </p:nvPr>
+        </p:nvSpPr>
+        <p:spPr/>
+        <p:txBody>
+          <a:bodyPr/>
+          <a:lstStyle/>
+          <a:p>
+            <a:fld id="{9CF44FE7-572C-49D6-B6A9-CF4E786F081A}" type="slidenum">
+              <a:rPr lang="hu-HU" smtClean="0"/>
+              <a:t>19</a:t>
+            </a:fld>
+            <a:endParaRPr lang="hu-HU"/>
+          </a:p>
+        </p:txBody>
+      </p:sp>
+    </p:spTree>
+    <p:extLst>
+      <p:ext uri="{BB962C8B-B14F-4D97-AF65-F5344CB8AC3E}">
+        <p14:creationId xmlns:p14="http://schemas.microsoft.com/office/powerpoint/2010/main" val="2339851071"/>
+      </p:ext>
+    </p:extLst>
+  </p:cSld>
+  <p:clrMapOvr>
+    <a:masterClrMapping/>
+  </p:clrMapOvr>
+</p:notes>
+</file>
+
+<file path=ppt/notesSlides/notesSlide2.xml><?xml version="1.0" encoding="utf-8"?>
+<p:notes xmlns:a="http://schemas.openxmlformats.org/drawingml/2006/main" xmlns:r="http://schemas.openxmlformats.org/officeDocument/2006/relationships" xmlns:p="http://schemas.openxmlformats.org/presentationml/2006/main">
+  <p:cSld>
+    <p:spTree>
+      <p:nvGrpSpPr>
+        <p:cNvPr id="1" name=""/>
+        <p:cNvGrpSpPr/>
+        <p:nvPr/>
+      </p:nvGrpSpPr>
+      <p:grpSpPr>
+        <a:xfrm>
+          <a:off x="0" y="0"/>
+          <a:ext cx="0" cy="0"/>
+          <a:chOff x="0" y="0"/>
+          <a:chExt cx="0" cy="0"/>
+        </a:xfrm>
+      </p:grpSpPr>
+      <p:sp>
+        <p:nvSpPr>
+          <p:cNvPr id="2" name="Diakép helye 1"/>
+          <p:cNvSpPr>
+            <a:spLocks noGrp="1" noRot="1" noChangeAspect="1"/>
+          </p:cNvSpPr>
+          <p:nvPr>
+            <p:ph type="sldImg"/>
+          </p:nvPr>
+        </p:nvSpPr>
+        <p:spPr/>
+      </p:sp>
+      <p:sp>
+        <p:nvSpPr>
+          <p:cNvPr id="3" name="Jegyzetek helye 2"/>
+          <p:cNvSpPr>
+            <a:spLocks noGrp="1"/>
+          </p:cNvSpPr>
+          <p:nvPr>
+            <p:ph type="body" idx="1"/>
+          </p:nvPr>
+        </p:nvSpPr>
+        <p:spPr/>
+        <p:txBody>
+          <a:bodyPr/>
+          <a:lstStyle/>
+          <a:p>
+            <a:endParaRPr lang="hu-HU"/>
+          </a:p>
+        </p:txBody>
+      </p:sp>
+      <p:sp>
+        <p:nvSpPr>
+          <p:cNvPr id="4" name="Dia számának helye 3"/>
+          <p:cNvSpPr>
+            <a:spLocks noGrp="1"/>
+          </p:cNvSpPr>
+          <p:nvPr>
+            <p:ph type="sldNum" sz="quarter" idx="10"/>
+          </p:nvPr>
+        </p:nvSpPr>
+        <p:spPr/>
+        <p:txBody>
+          <a:bodyPr/>
+          <a:lstStyle/>
+          <a:p>
+            <a:fld id="{9CF44FE7-572C-49D6-B6A9-CF4E786F081A}" type="slidenum">
+              <a:rPr lang="hu-HU" smtClean="0"/>
+              <a:t>2</a:t>
+            </a:fld>
+            <a:endParaRPr lang="hu-HU"/>
+          </a:p>
+        </p:txBody>
+      </p:sp>
+    </p:spTree>
+    <p:extLst>
+      <p:ext uri="{BB962C8B-B14F-4D97-AF65-F5344CB8AC3E}">
+        <p14:creationId xmlns:p14="http://schemas.microsoft.com/office/powerpoint/2010/main" val="2499764195"/>
+      </p:ext>
+    </p:extLst>
+  </p:cSld>
+  <p:clrMapOvr>
+    <a:masterClrMapping/>
+  </p:clrMapOvr>
+</p:notes>
+</file>
+
+<file path=ppt/notesSlides/notesSlide20.xml><?xml version="1.0" encoding="utf-8"?>
+<p:notes xmlns:a="http://schemas.openxmlformats.org/drawingml/2006/main" xmlns:r="http://schemas.openxmlformats.org/officeDocument/2006/relationships" xmlns:p="http://schemas.openxmlformats.org/presentationml/2006/main">
+  <p:cSld>
+    <p:spTree>
+      <p:nvGrpSpPr>
+        <p:cNvPr id="1" name=""/>
+        <p:cNvGrpSpPr/>
+        <p:nvPr/>
+      </p:nvGrpSpPr>
+      <p:grpSpPr>
+        <a:xfrm>
+          <a:off x="0" y="0"/>
+          <a:ext cx="0" cy="0"/>
+          <a:chOff x="0" y="0"/>
+          <a:chExt cx="0" cy="0"/>
+        </a:xfrm>
+      </p:grpSpPr>
+      <p:sp>
+        <p:nvSpPr>
+          <p:cNvPr id="2" name="Diakép helye 1"/>
+          <p:cNvSpPr>
+            <a:spLocks noGrp="1" noRot="1" noChangeAspect="1"/>
+          </p:cNvSpPr>
+          <p:nvPr>
+            <p:ph type="sldImg"/>
+          </p:nvPr>
+        </p:nvSpPr>
+        <p:spPr/>
+      </p:sp>
+      <p:sp>
+        <p:nvSpPr>
+          <p:cNvPr id="3" name="Jegyzetek helye 2"/>
+          <p:cNvSpPr>
+            <a:spLocks noGrp="1"/>
+          </p:cNvSpPr>
+          <p:nvPr>
+            <p:ph type="body" idx="1"/>
+          </p:nvPr>
+        </p:nvSpPr>
+        <p:spPr/>
+        <p:txBody>
+          <a:bodyPr/>
+          <a:lstStyle/>
+          <a:p>
+            <a:endParaRPr lang="hu-HU"/>
+          </a:p>
+        </p:txBody>
+      </p:sp>
+      <p:sp>
+        <p:nvSpPr>
+          <p:cNvPr id="4" name="Dia számának helye 3"/>
+          <p:cNvSpPr>
+            <a:spLocks noGrp="1"/>
+          </p:cNvSpPr>
+          <p:nvPr>
+            <p:ph type="sldNum" sz="quarter" idx="10"/>
+          </p:nvPr>
+        </p:nvSpPr>
+        <p:spPr/>
+        <p:txBody>
+          <a:bodyPr/>
+          <a:lstStyle/>
+          <a:p>
+            <a:fld id="{9CF44FE7-572C-49D6-B6A9-CF4E786F081A}" type="slidenum">
+              <a:rPr lang="hu-HU" smtClean="0"/>
+              <a:t>20</a:t>
+            </a:fld>
+            <a:endParaRPr lang="hu-HU"/>
+          </a:p>
+        </p:txBody>
+      </p:sp>
+    </p:spTree>
+    <p:extLst>
+      <p:ext uri="{BB962C8B-B14F-4D97-AF65-F5344CB8AC3E}">
+        <p14:creationId xmlns:p14="http://schemas.microsoft.com/office/powerpoint/2010/main" val="332603853"/>
+      </p:ext>
+    </p:extLst>
+  </p:cSld>
+  <p:clrMapOvr>
+    <a:masterClrMapping/>
+  </p:clrMapOvr>
+</p:notes>
+</file>
+
+<file path=ppt/notesSlides/notesSlide21.xml><?xml version="1.0" encoding="utf-8"?>
+<p:notes xmlns:a="http://schemas.openxmlformats.org/drawingml/2006/main" xmlns:r="http://schemas.openxmlformats.org/officeDocument/2006/relationships" xmlns:p="http://schemas.openxmlformats.org/presentationml/2006/main">
+  <p:cSld>
+    <p:spTree>
+      <p:nvGrpSpPr>
+        <p:cNvPr id="1" name=""/>
+        <p:cNvGrpSpPr/>
+        <p:nvPr/>
+      </p:nvGrpSpPr>
+      <p:grpSpPr>
+        <a:xfrm>
+          <a:off x="0" y="0"/>
+          <a:ext cx="0" cy="0"/>
+          <a:chOff x="0" y="0"/>
+          <a:chExt cx="0" cy="0"/>
+        </a:xfrm>
+      </p:grpSpPr>
+      <p:sp>
+        <p:nvSpPr>
+          <p:cNvPr id="2" name="Diakép helye 1"/>
+          <p:cNvSpPr>
+            <a:spLocks noGrp="1" noRot="1" noChangeAspect="1"/>
+          </p:cNvSpPr>
+          <p:nvPr>
+            <p:ph type="sldImg"/>
+          </p:nvPr>
+        </p:nvSpPr>
+        <p:spPr/>
+      </p:sp>
+      <p:sp>
+        <p:nvSpPr>
+          <p:cNvPr id="3" name="Jegyzetek helye 2"/>
+          <p:cNvSpPr>
+            <a:spLocks noGrp="1"/>
+          </p:cNvSpPr>
+          <p:nvPr>
+            <p:ph type="body" idx="1"/>
+          </p:nvPr>
+        </p:nvSpPr>
+        <p:spPr/>
+        <p:txBody>
+          <a:bodyPr/>
+          <a:lstStyle/>
+          <a:p>
+            <a:endParaRPr lang="hu-HU"/>
+          </a:p>
+        </p:txBody>
+      </p:sp>
+      <p:sp>
+        <p:nvSpPr>
+          <p:cNvPr id="4" name="Dia számának helye 3"/>
+          <p:cNvSpPr>
+            <a:spLocks noGrp="1"/>
+          </p:cNvSpPr>
+          <p:nvPr>
+            <p:ph type="sldNum" sz="quarter" idx="10"/>
+          </p:nvPr>
+        </p:nvSpPr>
+        <p:spPr/>
+        <p:txBody>
+          <a:bodyPr/>
+          <a:lstStyle/>
+          <a:p>
+            <a:fld id="{9CF44FE7-572C-49D6-B6A9-CF4E786F081A}" type="slidenum">
+              <a:rPr lang="hu-HU" smtClean="0"/>
+              <a:t>21</a:t>
+            </a:fld>
+            <a:endParaRPr lang="hu-HU"/>
+          </a:p>
+        </p:txBody>
+      </p:sp>
+    </p:spTree>
+    <p:extLst>
+      <p:ext uri="{BB962C8B-B14F-4D97-AF65-F5344CB8AC3E}">
+        <p14:creationId xmlns:p14="http://schemas.microsoft.com/office/powerpoint/2010/main" val="2457843282"/>
+      </p:ext>
+    </p:extLst>
+  </p:cSld>
+  <p:clrMapOvr>
+    <a:masterClrMapping/>
+  </p:clrMapOvr>
+</p:notes>
+</file>
+
+<file path=ppt/notesSlides/notesSlide22.xml><?xml version="1.0" encoding="utf-8"?>
+<p:notes xmlns:a="http://schemas.openxmlformats.org/drawingml/2006/main" xmlns:r="http://schemas.openxmlformats.org/officeDocument/2006/relationships" xmlns:p="http://schemas.openxmlformats.org/presentationml/2006/main">
+  <p:cSld>
+    <p:spTree>
+      <p:nvGrpSpPr>
+        <p:cNvPr id="1" name=""/>
+        <p:cNvGrpSpPr/>
+        <p:nvPr/>
+      </p:nvGrpSpPr>
+      <p:grpSpPr>
+        <a:xfrm>
+          <a:off x="0" y="0"/>
+          <a:ext cx="0" cy="0"/>
+          <a:chOff x="0" y="0"/>
+          <a:chExt cx="0" cy="0"/>
+        </a:xfrm>
+      </p:grpSpPr>
+      <p:sp>
+        <p:nvSpPr>
+          <p:cNvPr id="2" name="Diakép helye 1"/>
+          <p:cNvSpPr>
+            <a:spLocks noGrp="1" noRot="1" noChangeAspect="1"/>
+          </p:cNvSpPr>
+          <p:nvPr>
+            <p:ph type="sldImg"/>
+          </p:nvPr>
+        </p:nvSpPr>
+        <p:spPr/>
+      </p:sp>
+      <p:sp>
+        <p:nvSpPr>
+          <p:cNvPr id="3" name="Jegyzetek helye 2"/>
+          <p:cNvSpPr>
+            <a:spLocks noGrp="1"/>
+          </p:cNvSpPr>
+          <p:nvPr>
+            <p:ph type="body" idx="1"/>
+          </p:nvPr>
+        </p:nvSpPr>
+        <p:spPr/>
+        <p:txBody>
+          <a:bodyPr/>
+          <a:lstStyle/>
+          <a:p>
+            <a:endParaRPr lang="hu-HU"/>
+          </a:p>
+        </p:txBody>
+      </p:sp>
+      <p:sp>
+        <p:nvSpPr>
+          <p:cNvPr id="4" name="Dia számának helye 3"/>
+          <p:cNvSpPr>
+            <a:spLocks noGrp="1"/>
+          </p:cNvSpPr>
+          <p:nvPr>
+            <p:ph type="sldNum" sz="quarter" idx="10"/>
+          </p:nvPr>
+        </p:nvSpPr>
+        <p:spPr/>
+        <p:txBody>
+          <a:bodyPr/>
+          <a:lstStyle/>
+          <a:p>
+            <a:fld id="{9CF44FE7-572C-49D6-B6A9-CF4E786F081A}" type="slidenum">
+              <a:rPr lang="hu-HU" smtClean="0"/>
+              <a:t>22</a:t>
+            </a:fld>
+            <a:endParaRPr lang="hu-HU"/>
+          </a:p>
+        </p:txBody>
+      </p:sp>
+    </p:spTree>
+    <p:extLst>
+      <p:ext uri="{BB962C8B-B14F-4D97-AF65-F5344CB8AC3E}">
+        <p14:creationId xmlns:p14="http://schemas.microsoft.com/office/powerpoint/2010/main" val="1890389836"/>
+      </p:ext>
+    </p:extLst>
+  </p:cSld>
+  <p:clrMapOvr>
+    <a:masterClrMapping/>
+  </p:clrMapOvr>
+</p:notes>
+</file>
+
+<file path=ppt/notesSlides/notesSlide23.xml><?xml version="1.0" encoding="utf-8"?>
+<p:notes xmlns:a="http://schemas.openxmlformats.org/drawingml/2006/main" xmlns:r="http://schemas.openxmlformats.org/officeDocument/2006/relationships" xmlns:p="http://schemas.openxmlformats.org/presentationml/2006/main">
+  <p:cSld>
+    <p:spTree>
+      <p:nvGrpSpPr>
+        <p:cNvPr id="1" name=""/>
+        <p:cNvGrpSpPr/>
+        <p:nvPr/>
+      </p:nvGrpSpPr>
+      <p:grpSpPr>
+        <a:xfrm>
+          <a:off x="0" y="0"/>
+          <a:ext cx="0" cy="0"/>
+          <a:chOff x="0" y="0"/>
+          <a:chExt cx="0" cy="0"/>
+        </a:xfrm>
+      </p:grpSpPr>
+      <p:sp>
+        <p:nvSpPr>
+          <p:cNvPr id="2" name="Diakép helye 1"/>
+          <p:cNvSpPr>
+            <a:spLocks noGrp="1" noRot="1" noChangeAspect="1"/>
+          </p:cNvSpPr>
+          <p:nvPr>
+            <p:ph type="sldImg"/>
+          </p:nvPr>
+        </p:nvSpPr>
+        <p:spPr/>
+      </p:sp>
+      <p:sp>
+        <p:nvSpPr>
+          <p:cNvPr id="3" name="Jegyzetek helye 2"/>
+          <p:cNvSpPr>
+            <a:spLocks noGrp="1"/>
+          </p:cNvSpPr>
+          <p:nvPr>
+            <p:ph type="body" idx="1"/>
+          </p:nvPr>
+        </p:nvSpPr>
+        <p:spPr/>
+        <p:txBody>
+          <a:bodyPr/>
+          <a:lstStyle/>
+          <a:p>
+            <a:endParaRPr lang="hu-HU"/>
+          </a:p>
+        </p:txBody>
+      </p:sp>
+      <p:sp>
+        <p:nvSpPr>
+          <p:cNvPr id="4" name="Dia számának helye 3"/>
+          <p:cNvSpPr>
+            <a:spLocks noGrp="1"/>
+          </p:cNvSpPr>
+          <p:nvPr>
+            <p:ph type="sldNum" sz="quarter" idx="10"/>
+          </p:nvPr>
+        </p:nvSpPr>
+        <p:spPr/>
+        <p:txBody>
+          <a:bodyPr/>
+          <a:lstStyle/>
+          <a:p>
+            <a:fld id="{9CF44FE7-572C-49D6-B6A9-CF4E786F081A}" type="slidenum">
+              <a:rPr lang="hu-HU" smtClean="0"/>
+              <a:t>23</a:t>
+            </a:fld>
+            <a:endParaRPr lang="hu-HU"/>
+          </a:p>
+        </p:txBody>
+      </p:sp>
+    </p:spTree>
+    <p:extLst>
+      <p:ext uri="{BB962C8B-B14F-4D97-AF65-F5344CB8AC3E}">
+        <p14:creationId xmlns:p14="http://schemas.microsoft.com/office/powerpoint/2010/main" val="3175846361"/>
+      </p:ext>
+    </p:extLst>
+  </p:cSld>
+  <p:clrMapOvr>
+    <a:masterClrMapping/>
+  </p:clrMapOvr>
+</p:notes>
+</file>
+
+<file path=ppt/notesSlides/notesSlide24.xml><?xml version="1.0" encoding="utf-8"?>
+<p:notes xmlns:a="http://schemas.openxmlformats.org/drawingml/2006/main" xmlns:r="http://schemas.openxmlformats.org/officeDocument/2006/relationships" xmlns:p="http://schemas.openxmlformats.org/presentationml/2006/main">
+  <p:cSld>
+    <p:spTree>
+      <p:nvGrpSpPr>
+        <p:cNvPr id="1" name=""/>
+        <p:cNvGrpSpPr/>
+        <p:nvPr/>
+      </p:nvGrpSpPr>
+      <p:grpSpPr>
+        <a:xfrm>
+          <a:off x="0" y="0"/>
+          <a:ext cx="0" cy="0"/>
+          <a:chOff x="0" y="0"/>
+          <a:chExt cx="0" cy="0"/>
+        </a:xfrm>
+      </p:grpSpPr>
+      <p:sp>
+        <p:nvSpPr>
+          <p:cNvPr id="2" name="Diakép helye 1"/>
+          <p:cNvSpPr>
+            <a:spLocks noGrp="1" noRot="1" noChangeAspect="1"/>
+          </p:cNvSpPr>
+          <p:nvPr>
+            <p:ph type="sldImg"/>
+          </p:nvPr>
+        </p:nvSpPr>
+        <p:spPr/>
+      </p:sp>
+      <p:sp>
+        <p:nvSpPr>
+          <p:cNvPr id="3" name="Jegyzetek helye 2"/>
+          <p:cNvSpPr>
+            <a:spLocks noGrp="1"/>
+          </p:cNvSpPr>
+          <p:nvPr>
+            <p:ph type="body" idx="1"/>
+          </p:nvPr>
+        </p:nvSpPr>
+        <p:spPr/>
+        <p:txBody>
+          <a:bodyPr/>
+          <a:lstStyle/>
+          <a:p>
+            <a:endParaRPr lang="hu-HU"/>
+          </a:p>
+        </p:txBody>
+      </p:sp>
+      <p:sp>
+        <p:nvSpPr>
+          <p:cNvPr id="4" name="Dia számának helye 3"/>
+          <p:cNvSpPr>
+            <a:spLocks noGrp="1"/>
+          </p:cNvSpPr>
+          <p:nvPr>
+            <p:ph type="sldNum" sz="quarter" idx="10"/>
+          </p:nvPr>
+        </p:nvSpPr>
+        <p:spPr/>
+        <p:txBody>
+          <a:bodyPr/>
+          <a:lstStyle/>
+          <a:p>
+            <a:fld id="{9CF44FE7-572C-49D6-B6A9-CF4E786F081A}" type="slidenum">
+              <a:rPr lang="hu-HU" smtClean="0"/>
+              <a:t>24</a:t>
+            </a:fld>
+            <a:endParaRPr lang="hu-HU"/>
+          </a:p>
+        </p:txBody>
+      </p:sp>
+    </p:spTree>
+    <p:extLst>
+      <p:ext uri="{BB962C8B-B14F-4D97-AF65-F5344CB8AC3E}">
+        <p14:creationId xmlns:p14="http://schemas.microsoft.com/office/powerpoint/2010/main" val="1047010277"/>
+      </p:ext>
+    </p:extLst>
+  </p:cSld>
+  <p:clrMapOvr>
+    <a:masterClrMapping/>
+  </p:clrMapOvr>
+</p:notes>
+</file>
+
+<file path=ppt/notesSlides/notesSlide25.xml><?xml version="1.0" encoding="utf-8"?>
+<p:notes xmlns:a="http://schemas.openxmlformats.org/drawingml/2006/main" xmlns:r="http://schemas.openxmlformats.org/officeDocument/2006/relationships" xmlns:p="http://schemas.openxmlformats.org/presentationml/2006/main">
+  <p:cSld>
+    <p:spTree>
+      <p:nvGrpSpPr>
+        <p:cNvPr id="1" name=""/>
+        <p:cNvGrpSpPr/>
+        <p:nvPr/>
+      </p:nvGrpSpPr>
+      <p:grpSpPr>
+        <a:xfrm>
+          <a:off x="0" y="0"/>
+          <a:ext cx="0" cy="0"/>
+          <a:chOff x="0" y="0"/>
+          <a:chExt cx="0" cy="0"/>
+        </a:xfrm>
+      </p:grpSpPr>
+      <p:sp>
+        <p:nvSpPr>
+          <p:cNvPr id="2" name="Diakép helye 1"/>
+          <p:cNvSpPr>
+            <a:spLocks noGrp="1" noRot="1" noChangeAspect="1"/>
+          </p:cNvSpPr>
+          <p:nvPr>
+            <p:ph type="sldImg"/>
+          </p:nvPr>
+        </p:nvSpPr>
+        <p:spPr/>
+      </p:sp>
+      <p:sp>
+        <p:nvSpPr>
+          <p:cNvPr id="3" name="Jegyzetek helye 2"/>
+          <p:cNvSpPr>
+            <a:spLocks noGrp="1"/>
+          </p:cNvSpPr>
+          <p:nvPr>
+            <p:ph type="body" idx="1"/>
+          </p:nvPr>
+        </p:nvSpPr>
+        <p:spPr/>
+        <p:txBody>
+          <a:bodyPr/>
+          <a:lstStyle/>
+          <a:p>
+            <a:endParaRPr lang="hu-HU"/>
+          </a:p>
+        </p:txBody>
+      </p:sp>
+      <p:sp>
+        <p:nvSpPr>
+          <p:cNvPr id="4" name="Dia számának helye 3"/>
+          <p:cNvSpPr>
+            <a:spLocks noGrp="1"/>
+          </p:cNvSpPr>
+          <p:nvPr>
+            <p:ph type="sldNum" sz="quarter" idx="10"/>
+          </p:nvPr>
+        </p:nvSpPr>
+        <p:spPr/>
+        <p:txBody>
+          <a:bodyPr/>
+          <a:lstStyle/>
+          <a:p>
+            <a:fld id="{9CF44FE7-572C-49D6-B6A9-CF4E786F081A}" type="slidenum">
+              <a:rPr lang="hu-HU" smtClean="0"/>
+              <a:t>25</a:t>
+            </a:fld>
+            <a:endParaRPr lang="hu-HU"/>
+          </a:p>
+        </p:txBody>
+      </p:sp>
+    </p:spTree>
+    <p:extLst>
+      <p:ext uri="{BB962C8B-B14F-4D97-AF65-F5344CB8AC3E}">
+        <p14:creationId xmlns:p14="http://schemas.microsoft.com/office/powerpoint/2010/main" val="3729468714"/>
+      </p:ext>
+    </p:extLst>
+  </p:cSld>
+  <p:clrMapOvr>
+    <a:masterClrMapping/>
+  </p:clrMapOvr>
+</p:notes>
+</file>
+
+<file path=ppt/notesSlides/notesSlide26.xml><?xml version="1.0" encoding="utf-8"?>
+<p:notes xmlns:a="http://schemas.openxmlformats.org/drawingml/2006/main" xmlns:r="http://schemas.openxmlformats.org/officeDocument/2006/relationships" xmlns:p="http://schemas.openxmlformats.org/presentationml/2006/main">
+  <p:cSld>
+    <p:spTree>
+      <p:nvGrpSpPr>
+        <p:cNvPr id="1" name=""/>
+        <p:cNvGrpSpPr/>
+        <p:nvPr/>
+      </p:nvGrpSpPr>
+      <p:grpSpPr>
+        <a:xfrm>
+          <a:off x="0" y="0"/>
+          <a:ext cx="0" cy="0"/>
+          <a:chOff x="0" y="0"/>
+          <a:chExt cx="0" cy="0"/>
+        </a:xfrm>
+      </p:grpSpPr>
+      <p:sp>
+        <p:nvSpPr>
+          <p:cNvPr id="2" name="Diakép helye 1"/>
+          <p:cNvSpPr>
+            <a:spLocks noGrp="1" noRot="1" noChangeAspect="1"/>
+          </p:cNvSpPr>
+          <p:nvPr>
+            <p:ph type="sldImg"/>
+          </p:nvPr>
+        </p:nvSpPr>
+        <p:spPr/>
+      </p:sp>
+      <p:sp>
+        <p:nvSpPr>
+          <p:cNvPr id="3" name="Jegyzetek helye 2"/>
+          <p:cNvSpPr>
+            <a:spLocks noGrp="1"/>
+          </p:cNvSpPr>
+          <p:nvPr>
+            <p:ph type="body" idx="1"/>
+          </p:nvPr>
+        </p:nvSpPr>
+        <p:spPr/>
+        <p:txBody>
+          <a:bodyPr/>
+          <a:lstStyle/>
+          <a:p>
+            <a:endParaRPr lang="hu-HU"/>
+          </a:p>
+        </p:txBody>
+      </p:sp>
+      <p:sp>
+        <p:nvSpPr>
+          <p:cNvPr id="4" name="Dia számának helye 3"/>
+          <p:cNvSpPr>
+            <a:spLocks noGrp="1"/>
+          </p:cNvSpPr>
+          <p:nvPr>
+            <p:ph type="sldNum" sz="quarter" idx="10"/>
+          </p:nvPr>
+        </p:nvSpPr>
+        <p:spPr/>
+        <p:txBody>
+          <a:bodyPr/>
+          <a:lstStyle/>
+          <a:p>
+            <a:fld id="{9CF44FE7-572C-49D6-B6A9-CF4E786F081A}" type="slidenum">
+              <a:rPr lang="hu-HU" smtClean="0"/>
+              <a:t>26</a:t>
+            </a:fld>
+            <a:endParaRPr lang="hu-HU"/>
+          </a:p>
+        </p:txBody>
+      </p:sp>
+    </p:spTree>
+    <p:extLst>
+      <p:ext uri="{BB962C8B-B14F-4D97-AF65-F5344CB8AC3E}">
+        <p14:creationId xmlns:p14="http://schemas.microsoft.com/office/powerpoint/2010/main" val="4044489165"/>
+      </p:ext>
+    </p:extLst>
+  </p:cSld>
+  <p:clrMapOvr>
+    <a:masterClrMapping/>
+  </p:clrMapOvr>
+</p:notes>
+</file>
+
+<file path=ppt/notesSlides/notesSlide27.xml><?xml version="1.0" encoding="utf-8"?>
+<p:notes xmlns:a="http://schemas.openxmlformats.org/drawingml/2006/main" xmlns:r="http://schemas.openxmlformats.org/officeDocument/2006/relationships" xmlns:p="http://schemas.openxmlformats.org/presentationml/2006/main">
+  <p:cSld>
+    <p:spTree>
+      <p:nvGrpSpPr>
+        <p:cNvPr id="1" name=""/>
+        <p:cNvGrpSpPr/>
+        <p:nvPr/>
+      </p:nvGrpSpPr>
+      <p:grpSpPr>
+        <a:xfrm>
+          <a:off x="0" y="0"/>
+          <a:ext cx="0" cy="0"/>
+          <a:chOff x="0" y="0"/>
+          <a:chExt cx="0" cy="0"/>
+        </a:xfrm>
+      </p:grpSpPr>
+      <p:sp>
+        <p:nvSpPr>
+          <p:cNvPr id="2" name="Diakép helye 1"/>
+          <p:cNvSpPr>
+            <a:spLocks noGrp="1" noRot="1" noChangeAspect="1"/>
+          </p:cNvSpPr>
+          <p:nvPr>
+            <p:ph type="sldImg"/>
+          </p:nvPr>
+        </p:nvSpPr>
+        <p:spPr/>
+      </p:sp>
+      <p:sp>
+        <p:nvSpPr>
+          <p:cNvPr id="3" name="Jegyzetek helye 2"/>
+          <p:cNvSpPr>
+            <a:spLocks noGrp="1"/>
+          </p:cNvSpPr>
+          <p:nvPr>
+            <p:ph type="body" idx="1"/>
+          </p:nvPr>
+        </p:nvSpPr>
+        <p:spPr/>
+        <p:txBody>
+          <a:bodyPr/>
+          <a:lstStyle/>
+          <a:p>
+            <a:endParaRPr lang="hu-HU"/>
+          </a:p>
+        </p:txBody>
+      </p:sp>
+      <p:sp>
+        <p:nvSpPr>
+          <p:cNvPr id="4" name="Dia számának helye 3"/>
+          <p:cNvSpPr>
+            <a:spLocks noGrp="1"/>
+          </p:cNvSpPr>
+          <p:nvPr>
+            <p:ph type="sldNum" sz="quarter" idx="10"/>
+          </p:nvPr>
+        </p:nvSpPr>
+        <p:spPr/>
+        <p:txBody>
+          <a:bodyPr/>
+          <a:lstStyle/>
+          <a:p>
+            <a:fld id="{9CF44FE7-572C-49D6-B6A9-CF4E786F081A}" type="slidenum">
+              <a:rPr lang="hu-HU" smtClean="0"/>
+              <a:t>27</a:t>
+            </a:fld>
+            <a:endParaRPr lang="hu-HU"/>
+          </a:p>
+        </p:txBody>
+      </p:sp>
+    </p:spTree>
+    <p:extLst>
+      <p:ext uri="{BB962C8B-B14F-4D97-AF65-F5344CB8AC3E}">
+        <p14:creationId xmlns:p14="http://schemas.microsoft.com/office/powerpoint/2010/main" val="980692290"/>
+      </p:ext>
+    </p:extLst>
+  </p:cSld>
+  <p:clrMapOvr>
+    <a:masterClrMapping/>
+  </p:clrMapOvr>
+</p:notes>
+</file>
+
+<file path=ppt/notesSlides/notesSlide28.xml><?xml version="1.0" encoding="utf-8"?>
+<p:notes xmlns:a="http://schemas.openxmlformats.org/drawingml/2006/main" xmlns:r="http://schemas.openxmlformats.org/officeDocument/2006/relationships" xmlns:p="http://schemas.openxmlformats.org/presentationml/2006/main">
+  <p:cSld>
+    <p:spTree>
+      <p:nvGrpSpPr>
+        <p:cNvPr id="1" name=""/>
+        <p:cNvGrpSpPr/>
+        <p:nvPr/>
+      </p:nvGrpSpPr>
+      <p:grpSpPr>
+        <a:xfrm>
+          <a:off x="0" y="0"/>
+          <a:ext cx="0" cy="0"/>
+          <a:chOff x="0" y="0"/>
+          <a:chExt cx="0" cy="0"/>
+        </a:xfrm>
+      </p:grpSpPr>
+      <p:sp>
+        <p:nvSpPr>
+          <p:cNvPr id="2" name="Diakép helye 1"/>
+          <p:cNvSpPr>
+            <a:spLocks noGrp="1" noRot="1" noChangeAspect="1"/>
+          </p:cNvSpPr>
+          <p:nvPr>
+            <p:ph type="sldImg"/>
+          </p:nvPr>
+        </p:nvSpPr>
+        <p:spPr/>
+      </p:sp>
+      <p:sp>
+        <p:nvSpPr>
+          <p:cNvPr id="3" name="Jegyzetek helye 2"/>
+          <p:cNvSpPr>
+            <a:spLocks noGrp="1"/>
+          </p:cNvSpPr>
+          <p:nvPr>
+            <p:ph type="body" idx="1"/>
+          </p:nvPr>
+        </p:nvSpPr>
+        <p:spPr/>
+        <p:txBody>
+          <a:bodyPr/>
+          <a:lstStyle/>
+          <a:p>
+            <a:endParaRPr lang="hu-HU"/>
+          </a:p>
+        </p:txBody>
+      </p:sp>
+      <p:sp>
+        <p:nvSpPr>
+          <p:cNvPr id="4" name="Dia számának helye 3"/>
+          <p:cNvSpPr>
+            <a:spLocks noGrp="1"/>
+          </p:cNvSpPr>
+          <p:nvPr>
+            <p:ph type="sldNum" sz="quarter" idx="10"/>
+          </p:nvPr>
+        </p:nvSpPr>
+        <p:spPr/>
+        <p:txBody>
+          <a:bodyPr/>
+          <a:lstStyle/>
+          <a:p>
+            <a:fld id="{9CF44FE7-572C-49D6-B6A9-CF4E786F081A}" type="slidenum">
+              <a:rPr lang="hu-HU" smtClean="0"/>
+              <a:t>28</a:t>
+            </a:fld>
+            <a:endParaRPr lang="hu-HU"/>
+          </a:p>
+        </p:txBody>
+      </p:sp>
+    </p:spTree>
+    <p:extLst>
+      <p:ext uri="{BB962C8B-B14F-4D97-AF65-F5344CB8AC3E}">
+        <p14:creationId xmlns:p14="http://schemas.microsoft.com/office/powerpoint/2010/main" val="553318285"/>
+      </p:ext>
+    </p:extLst>
+  </p:cSld>
+  <p:clrMapOvr>
+    <a:masterClrMapping/>
+  </p:clrMapOvr>
+</p:notes>
+</file>
+
+<file path=ppt/notesSlides/notesSlide29.xml><?xml version="1.0" encoding="utf-8"?>
+<p:notes xmlns:a="http://schemas.openxmlformats.org/drawingml/2006/main" xmlns:r="http://schemas.openxmlformats.org/officeDocument/2006/relationships" xmlns:p="http://schemas.openxmlformats.org/presentationml/2006/main">
+  <p:cSld>
+    <p:spTree>
+      <p:nvGrpSpPr>
+        <p:cNvPr id="1" name=""/>
+        <p:cNvGrpSpPr/>
+        <p:nvPr/>
+      </p:nvGrpSpPr>
+      <p:grpSpPr>
+        <a:xfrm>
+          <a:off x="0" y="0"/>
+          <a:ext cx="0" cy="0"/>
+          <a:chOff x="0" y="0"/>
+          <a:chExt cx="0" cy="0"/>
+        </a:xfrm>
+      </p:grpSpPr>
+      <p:sp>
+        <p:nvSpPr>
+          <p:cNvPr id="2" name="Diakép helye 1"/>
+          <p:cNvSpPr>
+            <a:spLocks noGrp="1" noRot="1" noChangeAspect="1"/>
+          </p:cNvSpPr>
+          <p:nvPr>
+            <p:ph type="sldImg"/>
+          </p:nvPr>
+        </p:nvSpPr>
+        <p:spPr/>
+      </p:sp>
+      <p:sp>
+        <p:nvSpPr>
+          <p:cNvPr id="3" name="Jegyzetek helye 2"/>
+          <p:cNvSpPr>
+            <a:spLocks noGrp="1"/>
+          </p:cNvSpPr>
+          <p:nvPr>
+            <p:ph type="body" idx="1"/>
+          </p:nvPr>
+        </p:nvSpPr>
+        <p:spPr/>
+        <p:txBody>
+          <a:bodyPr/>
+          <a:lstStyle/>
+          <a:p>
+            <a:endParaRPr lang="hu-HU"/>
+          </a:p>
+        </p:txBody>
+      </p:sp>
+      <p:sp>
+        <p:nvSpPr>
+          <p:cNvPr id="4" name="Dia számának helye 3"/>
+          <p:cNvSpPr>
+            <a:spLocks noGrp="1"/>
+          </p:cNvSpPr>
+          <p:nvPr>
+            <p:ph type="sldNum" sz="quarter" idx="10"/>
+          </p:nvPr>
+        </p:nvSpPr>
+        <p:spPr/>
+        <p:txBody>
+          <a:bodyPr/>
+          <a:lstStyle/>
+          <a:p>
+            <a:fld id="{9CF44FE7-572C-49D6-B6A9-CF4E786F081A}" type="slidenum">
+              <a:rPr lang="hu-HU" smtClean="0"/>
+              <a:t>29</a:t>
+            </a:fld>
+            <a:endParaRPr lang="hu-HU"/>
+          </a:p>
+        </p:txBody>
+      </p:sp>
+    </p:spTree>
+    <p:extLst>
+      <p:ext uri="{BB962C8B-B14F-4D97-AF65-F5344CB8AC3E}">
+        <p14:creationId xmlns:p14="http://schemas.microsoft.com/office/powerpoint/2010/main" val="1296967643"/>
+      </p:ext>
+    </p:extLst>
+  </p:cSld>
+  <p:clrMapOvr>
+    <a:masterClrMapping/>
+  </p:clrMapOvr>
+</p:notes>
+</file>
+
+<file path=ppt/notesSlides/notesSlide3.xml><?xml version="1.0" encoding="utf-8"?>
+<p:notes xmlns:a="http://schemas.openxmlformats.org/drawingml/2006/main" xmlns:r="http://schemas.openxmlformats.org/officeDocument/2006/relationships" xmlns:p="http://schemas.openxmlformats.org/presentationml/2006/main">
+  <p:cSld>
+    <p:spTree>
+      <p:nvGrpSpPr>
+        <p:cNvPr id="1" name=""/>
+        <p:cNvGrpSpPr/>
+        <p:nvPr/>
+      </p:nvGrpSpPr>
+      <p:grpSpPr>
+        <a:xfrm>
+          <a:off x="0" y="0"/>
+          <a:ext cx="0" cy="0"/>
+          <a:chOff x="0" y="0"/>
+          <a:chExt cx="0" cy="0"/>
+        </a:xfrm>
+      </p:grpSpPr>
+      <p:sp>
+        <p:nvSpPr>
+          <p:cNvPr id="2" name="Diakép helye 1"/>
+          <p:cNvSpPr>
+            <a:spLocks noGrp="1" noRot="1" noChangeAspect="1"/>
+          </p:cNvSpPr>
+          <p:nvPr>
+            <p:ph type="sldImg"/>
+          </p:nvPr>
+        </p:nvSpPr>
+        <p:spPr/>
+      </p:sp>
+      <p:sp>
+        <p:nvSpPr>
+          <p:cNvPr id="3" name="Jegyzetek helye 2"/>
+          <p:cNvSpPr>
+            <a:spLocks noGrp="1"/>
+          </p:cNvSpPr>
+          <p:nvPr>
+            <p:ph type="body" idx="1"/>
+          </p:nvPr>
+        </p:nvSpPr>
+        <p:spPr/>
+        <p:txBody>
+          <a:bodyPr/>
+          <a:lstStyle/>
+          <a:p>
+            <a:endParaRPr lang="hu-HU"/>
+          </a:p>
+        </p:txBody>
+      </p:sp>
+      <p:sp>
+        <p:nvSpPr>
+          <p:cNvPr id="4" name="Dia számának helye 3"/>
+          <p:cNvSpPr>
+            <a:spLocks noGrp="1"/>
+          </p:cNvSpPr>
+          <p:nvPr>
+            <p:ph type="sldNum" sz="quarter" idx="10"/>
+          </p:nvPr>
+        </p:nvSpPr>
+        <p:spPr/>
+        <p:txBody>
+          <a:bodyPr/>
+          <a:lstStyle/>
+          <a:p>
+            <a:fld id="{9CF44FE7-572C-49D6-B6A9-CF4E786F081A}" type="slidenum">
+              <a:rPr lang="hu-HU" smtClean="0"/>
+              <a:t>3</a:t>
+            </a:fld>
+            <a:endParaRPr lang="hu-HU"/>
+          </a:p>
+        </p:txBody>
+      </p:sp>
+    </p:spTree>
+    <p:extLst>
+      <p:ext uri="{BB962C8B-B14F-4D97-AF65-F5344CB8AC3E}">
+        <p14:creationId xmlns:p14="http://schemas.microsoft.com/office/powerpoint/2010/main" val="3688723645"/>
+      </p:ext>
+    </p:extLst>
+  </p:cSld>
+  <p:clrMapOvr>
+    <a:masterClrMapping/>
+  </p:clrMapOvr>
+</p:notes>
+</file>
+
+<file path=ppt/notesSlides/notesSlide30.xml><?xml version="1.0" encoding="utf-8"?>
+<p:notes xmlns:a="http://schemas.openxmlformats.org/drawingml/2006/main" xmlns:r="http://schemas.openxmlformats.org/officeDocument/2006/relationships" xmlns:p="http://schemas.openxmlformats.org/presentationml/2006/main">
+  <p:cSld>
+    <p:spTree>
+      <p:nvGrpSpPr>
+        <p:cNvPr id="1" name=""/>
+        <p:cNvGrpSpPr/>
+        <p:nvPr/>
+      </p:nvGrpSpPr>
+      <p:grpSpPr>
+        <a:xfrm>
+          <a:off x="0" y="0"/>
+          <a:ext cx="0" cy="0"/>
+          <a:chOff x="0" y="0"/>
+          <a:chExt cx="0" cy="0"/>
+        </a:xfrm>
+      </p:grpSpPr>
+      <p:sp>
+        <p:nvSpPr>
+          <p:cNvPr id="2" name="Diakép helye 1"/>
+          <p:cNvSpPr>
+            <a:spLocks noGrp="1" noRot="1" noChangeAspect="1"/>
+          </p:cNvSpPr>
+          <p:nvPr>
+            <p:ph type="sldImg"/>
+          </p:nvPr>
+        </p:nvSpPr>
+        <p:spPr/>
+      </p:sp>
+      <p:sp>
+        <p:nvSpPr>
+          <p:cNvPr id="3" name="Jegyzetek helye 2"/>
+          <p:cNvSpPr>
+            <a:spLocks noGrp="1"/>
+          </p:cNvSpPr>
+          <p:nvPr>
+            <p:ph type="body" idx="1"/>
+          </p:nvPr>
+        </p:nvSpPr>
+        <p:spPr/>
+        <p:txBody>
+          <a:bodyPr/>
+          <a:lstStyle/>
+          <a:p>
+            <a:endParaRPr lang="hu-HU"/>
+          </a:p>
+        </p:txBody>
+      </p:sp>
+      <p:sp>
+        <p:nvSpPr>
+          <p:cNvPr id="4" name="Dia számának helye 3"/>
+          <p:cNvSpPr>
+            <a:spLocks noGrp="1"/>
+          </p:cNvSpPr>
+          <p:nvPr>
+            <p:ph type="sldNum" sz="quarter" idx="10"/>
+          </p:nvPr>
+        </p:nvSpPr>
+        <p:spPr/>
+        <p:txBody>
+          <a:bodyPr/>
+          <a:lstStyle/>
+          <a:p>
+            <a:fld id="{9CF44FE7-572C-49D6-B6A9-CF4E786F081A}" type="slidenum">
+              <a:rPr lang="hu-HU" smtClean="0"/>
+              <a:t>30</a:t>
+            </a:fld>
+            <a:endParaRPr lang="hu-HU"/>
+          </a:p>
+        </p:txBody>
+      </p:sp>
+    </p:spTree>
+    <p:extLst>
+      <p:ext uri="{BB962C8B-B14F-4D97-AF65-F5344CB8AC3E}">
+        <p14:creationId xmlns:p14="http://schemas.microsoft.com/office/powerpoint/2010/main" val="1111899289"/>
+      </p:ext>
+    </p:extLst>
+  </p:cSld>
+  <p:clrMapOvr>
+    <a:masterClrMapping/>
+  </p:clrMapOvr>
+</p:notes>
+</file>
+
+<file path=ppt/notesSlides/notesSlide31.xml><?xml version="1.0" encoding="utf-8"?>
+<p:notes xmlns:a="http://schemas.openxmlformats.org/drawingml/2006/main" xmlns:r="http://schemas.openxmlformats.org/officeDocument/2006/relationships" xmlns:p="http://schemas.openxmlformats.org/presentationml/2006/main">
+  <p:cSld>
+    <p:spTree>
+      <p:nvGrpSpPr>
+        <p:cNvPr id="1" name=""/>
+        <p:cNvGrpSpPr/>
+        <p:nvPr/>
+      </p:nvGrpSpPr>
+      <p:grpSpPr>
+        <a:xfrm>
+          <a:off x="0" y="0"/>
+          <a:ext cx="0" cy="0"/>
+          <a:chOff x="0" y="0"/>
+          <a:chExt cx="0" cy="0"/>
+        </a:xfrm>
+      </p:grpSpPr>
+      <p:sp>
+        <p:nvSpPr>
+          <p:cNvPr id="2" name="Diakép helye 1"/>
+          <p:cNvSpPr>
+            <a:spLocks noGrp="1" noRot="1" noChangeAspect="1"/>
+          </p:cNvSpPr>
+          <p:nvPr>
+            <p:ph type="sldImg"/>
+          </p:nvPr>
+        </p:nvSpPr>
+        <p:spPr/>
+      </p:sp>
+      <p:sp>
+        <p:nvSpPr>
+          <p:cNvPr id="3" name="Jegyzetek helye 2"/>
+          <p:cNvSpPr>
+            <a:spLocks noGrp="1"/>
+          </p:cNvSpPr>
+          <p:nvPr>
+            <p:ph type="body" idx="1"/>
+          </p:nvPr>
+        </p:nvSpPr>
+        <p:spPr/>
+        <p:txBody>
+          <a:bodyPr/>
+          <a:lstStyle/>
+          <a:p>
+            <a:endParaRPr lang="hu-HU"/>
+          </a:p>
+        </p:txBody>
+      </p:sp>
+      <p:sp>
+        <p:nvSpPr>
+          <p:cNvPr id="4" name="Dia számának helye 3"/>
+          <p:cNvSpPr>
+            <a:spLocks noGrp="1"/>
+          </p:cNvSpPr>
+          <p:nvPr>
+            <p:ph type="sldNum" sz="quarter" idx="10"/>
+          </p:nvPr>
+        </p:nvSpPr>
+        <p:spPr/>
+        <p:txBody>
+          <a:bodyPr/>
+          <a:lstStyle/>
+          <a:p>
+            <a:fld id="{9CF44FE7-572C-49D6-B6A9-CF4E786F081A}" type="slidenum">
+              <a:rPr lang="hu-HU" smtClean="0"/>
+              <a:t>31</a:t>
+            </a:fld>
+            <a:endParaRPr lang="hu-HU"/>
+          </a:p>
+        </p:txBody>
+      </p:sp>
+    </p:spTree>
+    <p:extLst>
+      <p:ext uri="{BB962C8B-B14F-4D97-AF65-F5344CB8AC3E}">
+        <p14:creationId xmlns:p14="http://schemas.microsoft.com/office/powerpoint/2010/main" val="291902943"/>
+      </p:ext>
+    </p:extLst>
+  </p:cSld>
+  <p:clrMapOvr>
+    <a:masterClrMapping/>
+  </p:clrMapOvr>
+</p:notes>
+</file>
+
+<file path=ppt/notesSlides/notesSlide32.xml><?xml version="1.0" encoding="utf-8"?>
+<p:notes xmlns:a="http://schemas.openxmlformats.org/drawingml/2006/main" xmlns:r="http://schemas.openxmlformats.org/officeDocument/2006/relationships" xmlns:p="http://schemas.openxmlformats.org/presentationml/2006/main">
+  <p:cSld>
+    <p:spTree>
+      <p:nvGrpSpPr>
+        <p:cNvPr id="1" name=""/>
+        <p:cNvGrpSpPr/>
+        <p:nvPr/>
+      </p:nvGrpSpPr>
+      <p:grpSpPr>
+        <a:xfrm>
+          <a:off x="0" y="0"/>
+          <a:ext cx="0" cy="0"/>
+          <a:chOff x="0" y="0"/>
+          <a:chExt cx="0" cy="0"/>
+        </a:xfrm>
+      </p:grpSpPr>
+      <p:sp>
+        <p:nvSpPr>
+          <p:cNvPr id="2" name="Diakép helye 1"/>
+          <p:cNvSpPr>
+            <a:spLocks noGrp="1" noRot="1" noChangeAspect="1"/>
+          </p:cNvSpPr>
+          <p:nvPr>
+            <p:ph type="sldImg"/>
+          </p:nvPr>
+        </p:nvSpPr>
+        <p:spPr/>
+      </p:sp>
+      <p:sp>
+        <p:nvSpPr>
+          <p:cNvPr id="3" name="Jegyzetek helye 2"/>
+          <p:cNvSpPr>
+            <a:spLocks noGrp="1"/>
+          </p:cNvSpPr>
+          <p:nvPr>
+            <p:ph type="body" idx="1"/>
+          </p:nvPr>
+        </p:nvSpPr>
+        <p:spPr/>
+        <p:txBody>
+          <a:bodyPr/>
+          <a:lstStyle/>
+          <a:p>
+            <a:endParaRPr lang="hu-HU"/>
+          </a:p>
+        </p:txBody>
+      </p:sp>
+      <p:sp>
+        <p:nvSpPr>
+          <p:cNvPr id="4" name="Dia számának helye 3"/>
+          <p:cNvSpPr>
+            <a:spLocks noGrp="1"/>
+          </p:cNvSpPr>
+          <p:nvPr>
+            <p:ph type="sldNum" sz="quarter" idx="10"/>
+          </p:nvPr>
+        </p:nvSpPr>
+        <p:spPr/>
+        <p:txBody>
+          <a:bodyPr/>
+          <a:lstStyle/>
+          <a:p>
+            <a:fld id="{9CF44FE7-572C-49D6-B6A9-CF4E786F081A}" type="slidenum">
+              <a:rPr lang="hu-HU" smtClean="0"/>
+              <a:t>32</a:t>
+            </a:fld>
+            <a:endParaRPr lang="hu-HU"/>
+          </a:p>
+        </p:txBody>
+      </p:sp>
+    </p:spTree>
+    <p:extLst>
+      <p:ext uri="{BB962C8B-B14F-4D97-AF65-F5344CB8AC3E}">
+        <p14:creationId xmlns:p14="http://schemas.microsoft.com/office/powerpoint/2010/main" val="857298746"/>
+      </p:ext>
+    </p:extLst>
+  </p:cSld>
+  <p:clrMapOvr>
+    <a:masterClrMapping/>
+  </p:clrMapOvr>
+</p:notes>
+</file>
+
+<file path=ppt/notesSlides/notesSlide33.xml><?xml version="1.0" encoding="utf-8"?>
+<p:notes xmlns:a="http://schemas.openxmlformats.org/drawingml/2006/main" xmlns:r="http://schemas.openxmlformats.org/officeDocument/2006/relationships" xmlns:p="http://schemas.openxmlformats.org/presentationml/2006/main">
+  <p:cSld>
+    <p:spTree>
+      <p:nvGrpSpPr>
+        <p:cNvPr id="1" name=""/>
+        <p:cNvGrpSpPr/>
+        <p:nvPr/>
+      </p:nvGrpSpPr>
+      <p:grpSpPr>
+        <a:xfrm>
+          <a:off x="0" y="0"/>
+          <a:ext cx="0" cy="0"/>
+          <a:chOff x="0" y="0"/>
+          <a:chExt cx="0" cy="0"/>
+        </a:xfrm>
+      </p:grpSpPr>
+      <p:sp>
+        <p:nvSpPr>
+          <p:cNvPr id="2" name="Diakép helye 1"/>
+          <p:cNvSpPr>
+            <a:spLocks noGrp="1" noRot="1" noChangeAspect="1"/>
+          </p:cNvSpPr>
+          <p:nvPr>
+            <p:ph type="sldImg"/>
+          </p:nvPr>
+        </p:nvSpPr>
+        <p:spPr/>
+      </p:sp>
+      <p:sp>
+        <p:nvSpPr>
+          <p:cNvPr id="3" name="Jegyzetek helye 2"/>
+          <p:cNvSpPr>
+            <a:spLocks noGrp="1"/>
+          </p:cNvSpPr>
+          <p:nvPr>
+            <p:ph type="body" idx="1"/>
+          </p:nvPr>
+        </p:nvSpPr>
+        <p:spPr/>
+        <p:txBody>
+          <a:bodyPr/>
+          <a:lstStyle/>
+          <a:p>
+            <a:endParaRPr lang="hu-HU"/>
+          </a:p>
+        </p:txBody>
+      </p:sp>
+      <p:sp>
+        <p:nvSpPr>
+          <p:cNvPr id="4" name="Dia számának helye 3"/>
+          <p:cNvSpPr>
+            <a:spLocks noGrp="1"/>
+          </p:cNvSpPr>
+          <p:nvPr>
+            <p:ph type="sldNum" sz="quarter" idx="10"/>
+          </p:nvPr>
+        </p:nvSpPr>
+        <p:spPr/>
+        <p:txBody>
+          <a:bodyPr/>
+          <a:lstStyle/>
+          <a:p>
+            <a:fld id="{9CF44FE7-572C-49D6-B6A9-CF4E786F081A}" type="slidenum">
+              <a:rPr lang="hu-HU" smtClean="0"/>
+              <a:t>33</a:t>
+            </a:fld>
+            <a:endParaRPr lang="hu-HU"/>
+          </a:p>
+        </p:txBody>
+      </p:sp>
+    </p:spTree>
+    <p:extLst>
+      <p:ext uri="{BB962C8B-B14F-4D97-AF65-F5344CB8AC3E}">
+        <p14:creationId xmlns:p14="http://schemas.microsoft.com/office/powerpoint/2010/main" val="3645362833"/>
+      </p:ext>
+    </p:extLst>
+  </p:cSld>
+  <p:clrMapOvr>
+    <a:masterClrMapping/>
+  </p:clrMapOvr>
+</p:notes>
+</file>
+
+<file path=ppt/notesSlides/notesSlide34.xml><?xml version="1.0" encoding="utf-8"?>
+<p:notes xmlns:a="http://schemas.openxmlformats.org/drawingml/2006/main" xmlns:r="http://schemas.openxmlformats.org/officeDocument/2006/relationships" xmlns:p="http://schemas.openxmlformats.org/presentationml/2006/main">
+  <p:cSld>
+    <p:spTree>
+      <p:nvGrpSpPr>
+        <p:cNvPr id="1" name=""/>
+        <p:cNvGrpSpPr/>
+        <p:nvPr/>
+      </p:nvGrpSpPr>
+      <p:grpSpPr>
+        <a:xfrm>
+          <a:off x="0" y="0"/>
+          <a:ext cx="0" cy="0"/>
+          <a:chOff x="0" y="0"/>
+          <a:chExt cx="0" cy="0"/>
+        </a:xfrm>
+      </p:grpSpPr>
+      <p:sp>
+        <p:nvSpPr>
+          <p:cNvPr id="2" name="Diakép helye 1"/>
+          <p:cNvSpPr>
+            <a:spLocks noGrp="1" noRot="1" noChangeAspect="1"/>
+          </p:cNvSpPr>
+          <p:nvPr>
+            <p:ph type="sldImg"/>
+          </p:nvPr>
+        </p:nvSpPr>
+        <p:spPr/>
+      </p:sp>
+      <p:sp>
+        <p:nvSpPr>
+          <p:cNvPr id="3" name="Jegyzetek helye 2"/>
+          <p:cNvSpPr>
+            <a:spLocks noGrp="1"/>
+          </p:cNvSpPr>
+          <p:nvPr>
+            <p:ph type="body" idx="1"/>
+          </p:nvPr>
+        </p:nvSpPr>
+        <p:spPr/>
+        <p:txBody>
+          <a:bodyPr/>
+          <a:lstStyle/>
+          <a:p>
+            <a:endParaRPr lang="hu-HU"/>
+          </a:p>
+        </p:txBody>
+      </p:sp>
+      <p:sp>
+        <p:nvSpPr>
+          <p:cNvPr id="4" name="Dia számának helye 3"/>
+          <p:cNvSpPr>
+            <a:spLocks noGrp="1"/>
+          </p:cNvSpPr>
+          <p:nvPr>
+            <p:ph type="sldNum" sz="quarter" idx="10"/>
+          </p:nvPr>
+        </p:nvSpPr>
+        <p:spPr/>
+        <p:txBody>
+          <a:bodyPr/>
+          <a:lstStyle/>
+          <a:p>
+            <a:fld id="{9CF44FE7-572C-49D6-B6A9-CF4E786F081A}" type="slidenum">
+              <a:rPr lang="hu-HU" smtClean="0"/>
+              <a:t>34</a:t>
+            </a:fld>
+            <a:endParaRPr lang="hu-HU"/>
+          </a:p>
+        </p:txBody>
+      </p:sp>
+    </p:spTree>
+    <p:extLst>
+      <p:ext uri="{BB962C8B-B14F-4D97-AF65-F5344CB8AC3E}">
+        <p14:creationId xmlns:p14="http://schemas.microsoft.com/office/powerpoint/2010/main" val="2845276710"/>
+      </p:ext>
+    </p:extLst>
+  </p:cSld>
+  <p:clrMapOvr>
+    <a:masterClrMapping/>
+  </p:clrMapOvr>
+</p:notes>
+</file>
+
+<file path=ppt/notesSlides/notesSlide35.xml><?xml version="1.0" encoding="utf-8"?>
+<p:notes xmlns:a="http://schemas.openxmlformats.org/drawingml/2006/main" xmlns:r="http://schemas.openxmlformats.org/officeDocument/2006/relationships" xmlns:p="http://schemas.openxmlformats.org/presentationml/2006/main">
+  <p:cSld>
+    <p:spTree>
+      <p:nvGrpSpPr>
+        <p:cNvPr id="1" name=""/>
+        <p:cNvGrpSpPr/>
+        <p:nvPr/>
+      </p:nvGrpSpPr>
+      <p:grpSpPr>
+        <a:xfrm>
+          <a:off x="0" y="0"/>
+          <a:ext cx="0" cy="0"/>
+          <a:chOff x="0" y="0"/>
+          <a:chExt cx="0" cy="0"/>
+        </a:xfrm>
+      </p:grpSpPr>
+      <p:sp>
+        <p:nvSpPr>
+          <p:cNvPr id="2" name="Diakép helye 1"/>
+          <p:cNvSpPr>
+            <a:spLocks noGrp="1" noRot="1" noChangeAspect="1"/>
+          </p:cNvSpPr>
+          <p:nvPr>
+            <p:ph type="sldImg"/>
+          </p:nvPr>
+        </p:nvSpPr>
+        <p:spPr/>
+      </p:sp>
+      <p:sp>
+        <p:nvSpPr>
+          <p:cNvPr id="3" name="Jegyzetek helye 2"/>
+          <p:cNvSpPr>
+            <a:spLocks noGrp="1"/>
+          </p:cNvSpPr>
+          <p:nvPr>
+            <p:ph type="body" idx="1"/>
+          </p:nvPr>
+        </p:nvSpPr>
+        <p:spPr/>
+        <p:txBody>
+          <a:bodyPr/>
+          <a:lstStyle/>
+          <a:p>
+            <a:endParaRPr lang="hu-HU"/>
+          </a:p>
+        </p:txBody>
+      </p:sp>
+      <p:sp>
+        <p:nvSpPr>
+          <p:cNvPr id="4" name="Dia számának helye 3"/>
+          <p:cNvSpPr>
+            <a:spLocks noGrp="1"/>
+          </p:cNvSpPr>
+          <p:nvPr>
+            <p:ph type="sldNum" sz="quarter" idx="10"/>
+          </p:nvPr>
+        </p:nvSpPr>
+        <p:spPr/>
+        <p:txBody>
+          <a:bodyPr/>
+          <a:lstStyle/>
+          <a:p>
+            <a:fld id="{9CF44FE7-572C-49D6-B6A9-CF4E786F081A}" type="slidenum">
+              <a:rPr lang="hu-HU" smtClean="0"/>
+              <a:t>35</a:t>
+            </a:fld>
+            <a:endParaRPr lang="hu-HU"/>
+          </a:p>
+        </p:txBody>
+      </p:sp>
+    </p:spTree>
+    <p:extLst>
+      <p:ext uri="{BB962C8B-B14F-4D97-AF65-F5344CB8AC3E}">
+        <p14:creationId xmlns:p14="http://schemas.microsoft.com/office/powerpoint/2010/main" val="406457055"/>
+      </p:ext>
+    </p:extLst>
+  </p:cSld>
+  <p:clrMapOvr>
+    <a:masterClrMapping/>
+  </p:clrMapOvr>
+</p:notes>
+</file>
+
+<file path=ppt/notesSlides/notesSlide36.xml><?xml version="1.0" encoding="utf-8"?>
+<p:notes xmlns:a="http://schemas.openxmlformats.org/drawingml/2006/main" xmlns:r="http://schemas.openxmlformats.org/officeDocument/2006/relationships" xmlns:p="http://schemas.openxmlformats.org/presentationml/2006/main">
+  <p:cSld>
+    <p:spTree>
+      <p:nvGrpSpPr>
+        <p:cNvPr id="1" name=""/>
+        <p:cNvGrpSpPr/>
+        <p:nvPr/>
+      </p:nvGrpSpPr>
+      <p:grpSpPr>
+        <a:xfrm>
+          <a:off x="0" y="0"/>
+          <a:ext cx="0" cy="0"/>
+          <a:chOff x="0" y="0"/>
+          <a:chExt cx="0" cy="0"/>
+        </a:xfrm>
+      </p:grpSpPr>
+      <p:sp>
+        <p:nvSpPr>
+          <p:cNvPr id="2" name="Diakép helye 1"/>
+          <p:cNvSpPr>
+            <a:spLocks noGrp="1" noRot="1" noChangeAspect="1"/>
+          </p:cNvSpPr>
+          <p:nvPr>
+            <p:ph type="sldImg"/>
+          </p:nvPr>
+        </p:nvSpPr>
+        <p:spPr/>
+      </p:sp>
+      <p:sp>
+        <p:nvSpPr>
+          <p:cNvPr id="3" name="Jegyzetek helye 2"/>
+          <p:cNvSpPr>
+            <a:spLocks noGrp="1"/>
+          </p:cNvSpPr>
+          <p:nvPr>
+            <p:ph type="body" idx="1"/>
+          </p:nvPr>
+        </p:nvSpPr>
+        <p:spPr/>
+        <p:txBody>
+          <a:bodyPr/>
+          <a:lstStyle/>
+          <a:p>
+            <a:endParaRPr lang="hu-HU"/>
+          </a:p>
+        </p:txBody>
+      </p:sp>
+      <p:sp>
+        <p:nvSpPr>
+          <p:cNvPr id="4" name="Dia számának helye 3"/>
+          <p:cNvSpPr>
+            <a:spLocks noGrp="1"/>
+          </p:cNvSpPr>
+          <p:nvPr>
+            <p:ph type="sldNum" sz="quarter" idx="10"/>
+          </p:nvPr>
+        </p:nvSpPr>
+        <p:spPr/>
+        <p:txBody>
+          <a:bodyPr/>
+          <a:lstStyle/>
+          <a:p>
+            <a:fld id="{9CF44FE7-572C-49D6-B6A9-CF4E786F081A}" type="slidenum">
+              <a:rPr lang="hu-HU" smtClean="0"/>
+              <a:t>36</a:t>
+            </a:fld>
+            <a:endParaRPr lang="hu-HU"/>
+          </a:p>
+        </p:txBody>
+      </p:sp>
+    </p:spTree>
+    <p:extLst>
+      <p:ext uri="{BB962C8B-B14F-4D97-AF65-F5344CB8AC3E}">
+        <p14:creationId xmlns:p14="http://schemas.microsoft.com/office/powerpoint/2010/main" val="1377698468"/>
+      </p:ext>
+    </p:extLst>
+  </p:cSld>
+  <p:clrMapOvr>
+    <a:masterClrMapping/>
+  </p:clrMapOvr>
+</p:notes>
+</file>
+
+<file path=ppt/notesSlides/notesSlide37.xml><?xml version="1.0" encoding="utf-8"?>
+<p:notes xmlns:a="http://schemas.openxmlformats.org/drawingml/2006/main" xmlns:r="http://schemas.openxmlformats.org/officeDocument/2006/relationships" xmlns:p="http://schemas.openxmlformats.org/presentationml/2006/main">
+  <p:cSld>
+    <p:spTree>
+      <p:nvGrpSpPr>
+        <p:cNvPr id="1" name=""/>
+        <p:cNvGrpSpPr/>
+        <p:nvPr/>
+      </p:nvGrpSpPr>
+      <p:grpSpPr>
+        <a:xfrm>
+          <a:off x="0" y="0"/>
+          <a:ext cx="0" cy="0"/>
+          <a:chOff x="0" y="0"/>
+          <a:chExt cx="0" cy="0"/>
+        </a:xfrm>
+      </p:grpSpPr>
+      <p:sp>
+        <p:nvSpPr>
+          <p:cNvPr id="2" name="Diakép helye 1"/>
+          <p:cNvSpPr>
+            <a:spLocks noGrp="1" noRot="1" noChangeAspect="1"/>
+          </p:cNvSpPr>
+          <p:nvPr>
+            <p:ph type="sldImg"/>
+          </p:nvPr>
+        </p:nvSpPr>
+        <p:spPr/>
+      </p:sp>
+      <p:sp>
+        <p:nvSpPr>
+          <p:cNvPr id="3" name="Jegyzetek helye 2"/>
+          <p:cNvSpPr>
+            <a:spLocks noGrp="1"/>
+          </p:cNvSpPr>
+          <p:nvPr>
+            <p:ph type="body" idx="1"/>
+          </p:nvPr>
+        </p:nvSpPr>
+        <p:spPr/>
+        <p:txBody>
+          <a:bodyPr/>
+          <a:lstStyle/>
+          <a:p>
+            <a:endParaRPr lang="hu-HU"/>
+          </a:p>
+        </p:txBody>
+      </p:sp>
+      <p:sp>
+        <p:nvSpPr>
+          <p:cNvPr id="4" name="Dia számának helye 3"/>
+          <p:cNvSpPr>
+            <a:spLocks noGrp="1"/>
+          </p:cNvSpPr>
+          <p:nvPr>
+            <p:ph type="sldNum" sz="quarter" idx="10"/>
+          </p:nvPr>
+        </p:nvSpPr>
+        <p:spPr/>
+        <p:txBody>
+          <a:bodyPr/>
+          <a:lstStyle/>
+          <a:p>
+            <a:fld id="{9CF44FE7-572C-49D6-B6A9-CF4E786F081A}" type="slidenum">
+              <a:rPr lang="hu-HU" smtClean="0"/>
+              <a:t>37</a:t>
+            </a:fld>
+            <a:endParaRPr lang="hu-HU"/>
+          </a:p>
+        </p:txBody>
+      </p:sp>
+    </p:spTree>
+    <p:extLst>
+      <p:ext uri="{BB962C8B-B14F-4D97-AF65-F5344CB8AC3E}">
+        <p14:creationId xmlns:p14="http://schemas.microsoft.com/office/powerpoint/2010/main" val="2028699069"/>
+      </p:ext>
+    </p:extLst>
+  </p:cSld>
+  <p:clrMapOvr>
+    <a:masterClrMapping/>
+  </p:clrMapOvr>
+</p:notes>
+</file>
+
+<file path=ppt/notesSlides/notesSlide38.xml><?xml version="1.0" encoding="utf-8"?>
+<p:notes xmlns:a="http://schemas.openxmlformats.org/drawingml/2006/main" xmlns:r="http://schemas.openxmlformats.org/officeDocument/2006/relationships" xmlns:p="http://schemas.openxmlformats.org/presentationml/2006/main">
+  <p:cSld>
+    <p:spTree>
+      <p:nvGrpSpPr>
+        <p:cNvPr id="1" name=""/>
+        <p:cNvGrpSpPr/>
+        <p:nvPr/>
+      </p:nvGrpSpPr>
+      <p:grpSpPr>
+        <a:xfrm>
+          <a:off x="0" y="0"/>
+          <a:ext cx="0" cy="0"/>
+          <a:chOff x="0" y="0"/>
+          <a:chExt cx="0" cy="0"/>
+        </a:xfrm>
+      </p:grpSpPr>
+      <p:sp>
+        <p:nvSpPr>
+          <p:cNvPr id="2" name="Diakép helye 1"/>
+          <p:cNvSpPr>
+            <a:spLocks noGrp="1" noRot="1" noChangeAspect="1"/>
+          </p:cNvSpPr>
+          <p:nvPr>
+            <p:ph type="sldImg"/>
+          </p:nvPr>
+        </p:nvSpPr>
+        <p:spPr/>
+      </p:sp>
+      <p:sp>
+        <p:nvSpPr>
+          <p:cNvPr id="3" name="Jegyzetek helye 2"/>
+          <p:cNvSpPr>
+            <a:spLocks noGrp="1"/>
+          </p:cNvSpPr>
+          <p:nvPr>
+            <p:ph type="body" idx="1"/>
+          </p:nvPr>
+        </p:nvSpPr>
+        <p:spPr/>
+        <p:txBody>
+          <a:bodyPr/>
+          <a:lstStyle/>
+          <a:p>
+            <a:endParaRPr lang="hu-HU"/>
+          </a:p>
+        </p:txBody>
+      </p:sp>
+      <p:sp>
+        <p:nvSpPr>
+          <p:cNvPr id="4" name="Dia számának helye 3"/>
+          <p:cNvSpPr>
+            <a:spLocks noGrp="1"/>
+          </p:cNvSpPr>
+          <p:nvPr>
+            <p:ph type="sldNum" sz="quarter" idx="10"/>
+          </p:nvPr>
+        </p:nvSpPr>
+        <p:spPr/>
+        <p:txBody>
+          <a:bodyPr/>
+          <a:lstStyle/>
+          <a:p>
+            <a:fld id="{9CF44FE7-572C-49D6-B6A9-CF4E786F081A}" type="slidenum">
+              <a:rPr lang="hu-HU" smtClean="0"/>
+              <a:t>38</a:t>
+            </a:fld>
+            <a:endParaRPr lang="hu-HU"/>
+          </a:p>
+        </p:txBody>
+      </p:sp>
+    </p:spTree>
+    <p:extLst>
+      <p:ext uri="{BB962C8B-B14F-4D97-AF65-F5344CB8AC3E}">
+        <p14:creationId xmlns:p14="http://schemas.microsoft.com/office/powerpoint/2010/main" val="673468106"/>
+      </p:ext>
+    </p:extLst>
+  </p:cSld>
+  <p:clrMapOvr>
+    <a:masterClrMapping/>
+  </p:clrMapOvr>
+</p:notes>
+</file>
+
+<file path=ppt/notesSlides/notesSlide39.xml><?xml version="1.0" encoding="utf-8"?>
+<p:notes xmlns:a="http://schemas.openxmlformats.org/drawingml/2006/main" xmlns:r="http://schemas.openxmlformats.org/officeDocument/2006/relationships" xmlns:p="http://schemas.openxmlformats.org/presentationml/2006/main">
+  <p:cSld>
+    <p:spTree>
+      <p:nvGrpSpPr>
+        <p:cNvPr id="1" name=""/>
+        <p:cNvGrpSpPr/>
+        <p:nvPr/>
+      </p:nvGrpSpPr>
+      <p:grpSpPr>
+        <a:xfrm>
+          <a:off x="0" y="0"/>
+          <a:ext cx="0" cy="0"/>
+          <a:chOff x="0" y="0"/>
+          <a:chExt cx="0" cy="0"/>
+        </a:xfrm>
+      </p:grpSpPr>
+      <p:sp>
+        <p:nvSpPr>
+          <p:cNvPr id="2" name="Diakép helye 1"/>
+          <p:cNvSpPr>
+            <a:spLocks noGrp="1" noRot="1" noChangeAspect="1"/>
+          </p:cNvSpPr>
+          <p:nvPr>
+            <p:ph type="sldImg"/>
+          </p:nvPr>
+        </p:nvSpPr>
+        <p:spPr/>
+      </p:sp>
+      <p:sp>
+        <p:nvSpPr>
+          <p:cNvPr id="3" name="Jegyzetek helye 2"/>
+          <p:cNvSpPr>
+            <a:spLocks noGrp="1"/>
+          </p:cNvSpPr>
+          <p:nvPr>
+            <p:ph type="body" idx="1"/>
+          </p:nvPr>
+        </p:nvSpPr>
+        <p:spPr/>
+        <p:txBody>
+          <a:bodyPr/>
+          <a:lstStyle/>
+          <a:p>
+            <a:endParaRPr lang="hu-HU"/>
+          </a:p>
+        </p:txBody>
+      </p:sp>
+      <p:sp>
+        <p:nvSpPr>
+          <p:cNvPr id="4" name="Dia számának helye 3"/>
+          <p:cNvSpPr>
+            <a:spLocks noGrp="1"/>
+          </p:cNvSpPr>
+          <p:nvPr>
+            <p:ph type="sldNum" sz="quarter" idx="10"/>
+          </p:nvPr>
+        </p:nvSpPr>
+        <p:spPr/>
+        <p:txBody>
+          <a:bodyPr/>
+          <a:lstStyle/>
+          <a:p>
+            <a:fld id="{9CF44FE7-572C-49D6-B6A9-CF4E786F081A}" type="slidenum">
+              <a:rPr lang="hu-HU" smtClean="0"/>
+              <a:t>39</a:t>
+            </a:fld>
+            <a:endParaRPr lang="hu-HU"/>
+          </a:p>
+        </p:txBody>
+      </p:sp>
+    </p:spTree>
+    <p:extLst>
+      <p:ext uri="{BB962C8B-B14F-4D97-AF65-F5344CB8AC3E}">
+        <p14:creationId xmlns:p14="http://schemas.microsoft.com/office/powerpoint/2010/main" val="1402147638"/>
+      </p:ext>
+    </p:extLst>
+  </p:cSld>
+  <p:clrMapOvr>
+    <a:masterClrMapping/>
+  </p:clrMapOvr>
+</p:notes>
+</file>
+
+<file path=ppt/notesSlides/notesSlide4.xml><?xml version="1.0" encoding="utf-8"?>
+<p:notes xmlns:a="http://schemas.openxmlformats.org/drawingml/2006/main" xmlns:r="http://schemas.openxmlformats.org/officeDocument/2006/relationships" xmlns:p="http://schemas.openxmlformats.org/presentationml/2006/main">
+  <p:cSld>
+    <p:spTree>
+      <p:nvGrpSpPr>
+        <p:cNvPr id="1" name=""/>
+        <p:cNvGrpSpPr/>
+        <p:nvPr/>
+      </p:nvGrpSpPr>
+      <p:grpSpPr>
+        <a:xfrm>
+          <a:off x="0" y="0"/>
+          <a:ext cx="0" cy="0"/>
+          <a:chOff x="0" y="0"/>
+          <a:chExt cx="0" cy="0"/>
+        </a:xfrm>
+      </p:grpSpPr>
+      <p:sp>
+        <p:nvSpPr>
+          <p:cNvPr id="2" name="Diakép helye 1"/>
+          <p:cNvSpPr>
+            <a:spLocks noGrp="1" noRot="1" noChangeAspect="1"/>
+          </p:cNvSpPr>
+          <p:nvPr>
+            <p:ph type="sldImg"/>
+          </p:nvPr>
+        </p:nvSpPr>
+        <p:spPr/>
+      </p:sp>
+      <p:sp>
+        <p:nvSpPr>
+          <p:cNvPr id="3" name="Jegyzetek helye 2"/>
+          <p:cNvSpPr>
+            <a:spLocks noGrp="1"/>
+          </p:cNvSpPr>
+          <p:nvPr>
+            <p:ph type="body" idx="1"/>
+          </p:nvPr>
+        </p:nvSpPr>
+        <p:spPr/>
+        <p:txBody>
+          <a:bodyPr/>
+          <a:lstStyle/>
+          <a:p>
+            <a:endParaRPr lang="hu-HU"/>
+          </a:p>
+        </p:txBody>
+      </p:sp>
+      <p:sp>
+        <p:nvSpPr>
+          <p:cNvPr id="4" name="Dia számának helye 3"/>
+          <p:cNvSpPr>
+            <a:spLocks noGrp="1"/>
+          </p:cNvSpPr>
+          <p:nvPr>
+            <p:ph type="sldNum" sz="quarter" idx="10"/>
+          </p:nvPr>
+        </p:nvSpPr>
+        <p:spPr/>
+        <p:txBody>
+          <a:bodyPr/>
+          <a:lstStyle/>
+          <a:p>
+            <a:fld id="{9CF44FE7-572C-49D6-B6A9-CF4E786F081A}" type="slidenum">
+              <a:rPr lang="hu-HU" smtClean="0"/>
+              <a:t>4</a:t>
+            </a:fld>
+            <a:endParaRPr lang="hu-HU"/>
+          </a:p>
+        </p:txBody>
+      </p:sp>
+    </p:spTree>
+    <p:extLst>
+      <p:ext uri="{BB962C8B-B14F-4D97-AF65-F5344CB8AC3E}">
+        <p14:creationId xmlns:p14="http://schemas.microsoft.com/office/powerpoint/2010/main" val="3264509108"/>
+      </p:ext>
+    </p:extLst>
+  </p:cSld>
+  <p:clrMapOvr>
+    <a:masterClrMapping/>
+  </p:clrMapOvr>
+</p:notes>
+</file>
+
+<file path=ppt/notesSlides/notesSlide40.xml><?xml version="1.0" encoding="utf-8"?>
+<p:notes xmlns:a="http://schemas.openxmlformats.org/drawingml/2006/main" xmlns:r="http://schemas.openxmlformats.org/officeDocument/2006/relationships" xmlns:p="http://schemas.openxmlformats.org/presentationml/2006/main">
+  <p:cSld>
+    <p:spTree>
+      <p:nvGrpSpPr>
+        <p:cNvPr id="1" name=""/>
+        <p:cNvGrpSpPr/>
+        <p:nvPr/>
+      </p:nvGrpSpPr>
+      <p:grpSpPr>
+        <a:xfrm>
+          <a:off x="0" y="0"/>
+          <a:ext cx="0" cy="0"/>
+          <a:chOff x="0" y="0"/>
+          <a:chExt cx="0" cy="0"/>
+        </a:xfrm>
+      </p:grpSpPr>
+      <p:sp>
+        <p:nvSpPr>
+          <p:cNvPr id="2" name="Diakép helye 1"/>
+          <p:cNvSpPr>
+            <a:spLocks noGrp="1" noRot="1" noChangeAspect="1"/>
+          </p:cNvSpPr>
+          <p:nvPr>
+            <p:ph type="sldImg"/>
+          </p:nvPr>
+        </p:nvSpPr>
+        <p:spPr/>
+      </p:sp>
+      <p:sp>
+        <p:nvSpPr>
+          <p:cNvPr id="3" name="Jegyzetek helye 2"/>
+          <p:cNvSpPr>
+            <a:spLocks noGrp="1"/>
+          </p:cNvSpPr>
+          <p:nvPr>
+            <p:ph type="body" idx="1"/>
+          </p:nvPr>
+        </p:nvSpPr>
+        <p:spPr/>
+        <p:txBody>
+          <a:bodyPr/>
+          <a:lstStyle/>
+          <a:p>
+            <a:endParaRPr lang="hu-HU"/>
+          </a:p>
+        </p:txBody>
+      </p:sp>
+      <p:sp>
+        <p:nvSpPr>
+          <p:cNvPr id="4" name="Dia számának helye 3"/>
+          <p:cNvSpPr>
+            <a:spLocks noGrp="1"/>
+          </p:cNvSpPr>
+          <p:nvPr>
+            <p:ph type="sldNum" sz="quarter" idx="10"/>
+          </p:nvPr>
+        </p:nvSpPr>
+        <p:spPr/>
+        <p:txBody>
+          <a:bodyPr/>
+          <a:lstStyle/>
+          <a:p>
+            <a:fld id="{9CF44FE7-572C-49D6-B6A9-CF4E786F081A}" type="slidenum">
+              <a:rPr lang="hu-HU" smtClean="0"/>
+              <a:t>40</a:t>
+            </a:fld>
+            <a:endParaRPr lang="hu-HU"/>
+          </a:p>
+        </p:txBody>
+      </p:sp>
+    </p:spTree>
+    <p:extLst>
+      <p:ext uri="{BB962C8B-B14F-4D97-AF65-F5344CB8AC3E}">
+        <p14:creationId xmlns:p14="http://schemas.microsoft.com/office/powerpoint/2010/main" val="1698610525"/>
+      </p:ext>
+    </p:extLst>
+  </p:cSld>
+  <p:clrMapOvr>
+    <a:masterClrMapping/>
+  </p:clrMapOvr>
+</p:notes>
+</file>
+
+<file path=ppt/notesSlides/notesSlide41.xml><?xml version="1.0" encoding="utf-8"?>
+<p:notes xmlns:a="http://schemas.openxmlformats.org/drawingml/2006/main" xmlns:r="http://schemas.openxmlformats.org/officeDocument/2006/relationships" xmlns:p="http://schemas.openxmlformats.org/presentationml/2006/main">
+  <p:cSld>
+    <p:spTree>
+      <p:nvGrpSpPr>
+        <p:cNvPr id="1" name=""/>
+        <p:cNvGrpSpPr/>
+        <p:nvPr/>
+      </p:nvGrpSpPr>
+      <p:grpSpPr>
+        <a:xfrm>
+          <a:off x="0" y="0"/>
+          <a:ext cx="0" cy="0"/>
+          <a:chOff x="0" y="0"/>
+          <a:chExt cx="0" cy="0"/>
+        </a:xfrm>
+      </p:grpSpPr>
+      <p:sp>
+        <p:nvSpPr>
+          <p:cNvPr id="2" name="Diakép helye 1"/>
+          <p:cNvSpPr>
+            <a:spLocks noGrp="1" noRot="1" noChangeAspect="1"/>
+          </p:cNvSpPr>
+          <p:nvPr>
+            <p:ph type="sldImg"/>
+          </p:nvPr>
+        </p:nvSpPr>
+        <p:spPr/>
+      </p:sp>
+      <p:sp>
+        <p:nvSpPr>
+          <p:cNvPr id="3" name="Jegyzetek helye 2"/>
+          <p:cNvSpPr>
+            <a:spLocks noGrp="1"/>
+          </p:cNvSpPr>
+          <p:nvPr>
+            <p:ph type="body" idx="1"/>
+          </p:nvPr>
+        </p:nvSpPr>
+        <p:spPr/>
+        <p:txBody>
+          <a:bodyPr/>
+          <a:lstStyle/>
+          <a:p>
+            <a:endParaRPr lang="hu-HU"/>
+          </a:p>
+        </p:txBody>
+      </p:sp>
+      <p:sp>
+        <p:nvSpPr>
+          <p:cNvPr id="4" name="Dia számának helye 3"/>
+          <p:cNvSpPr>
+            <a:spLocks noGrp="1"/>
+          </p:cNvSpPr>
+          <p:nvPr>
+            <p:ph type="sldNum" sz="quarter" idx="10"/>
+          </p:nvPr>
+        </p:nvSpPr>
+        <p:spPr/>
+        <p:txBody>
+          <a:bodyPr/>
+          <a:lstStyle/>
+          <a:p>
+            <a:fld id="{9CF44FE7-572C-49D6-B6A9-CF4E786F081A}" type="slidenum">
+              <a:rPr lang="hu-HU" smtClean="0"/>
+              <a:t>41</a:t>
+            </a:fld>
+            <a:endParaRPr lang="hu-HU"/>
+          </a:p>
+        </p:txBody>
+      </p:sp>
+    </p:spTree>
+    <p:extLst>
+      <p:ext uri="{BB962C8B-B14F-4D97-AF65-F5344CB8AC3E}">
+        <p14:creationId xmlns:p14="http://schemas.microsoft.com/office/powerpoint/2010/main" val="816300311"/>
+      </p:ext>
+    </p:extLst>
+  </p:cSld>
+  <p:clrMapOvr>
+    <a:masterClrMapping/>
+  </p:clrMapOvr>
+</p:notes>
+</file>
+
+<file path=ppt/notesSlides/notesSlide42.xml><?xml version="1.0" encoding="utf-8"?>
+<p:notes xmlns:a="http://schemas.openxmlformats.org/drawingml/2006/main" xmlns:r="http://schemas.openxmlformats.org/officeDocument/2006/relationships" xmlns:p="http://schemas.openxmlformats.org/presentationml/2006/main">
+  <p:cSld>
+    <p:spTree>
+      <p:nvGrpSpPr>
+        <p:cNvPr id="1" name=""/>
+        <p:cNvGrpSpPr/>
+        <p:nvPr/>
+      </p:nvGrpSpPr>
+      <p:grpSpPr>
+        <a:xfrm>
+          <a:off x="0" y="0"/>
+          <a:ext cx="0" cy="0"/>
+          <a:chOff x="0" y="0"/>
+          <a:chExt cx="0" cy="0"/>
+        </a:xfrm>
+      </p:grpSpPr>
+      <p:sp>
+        <p:nvSpPr>
+          <p:cNvPr id="2" name="Diakép helye 1"/>
+          <p:cNvSpPr>
+            <a:spLocks noGrp="1" noRot="1" noChangeAspect="1"/>
+          </p:cNvSpPr>
+          <p:nvPr>
+            <p:ph type="sldImg"/>
+          </p:nvPr>
+        </p:nvSpPr>
+        <p:spPr/>
+      </p:sp>
+      <p:sp>
+        <p:nvSpPr>
+          <p:cNvPr id="3" name="Jegyzetek helye 2"/>
+          <p:cNvSpPr>
+            <a:spLocks noGrp="1"/>
+          </p:cNvSpPr>
+          <p:nvPr>
+            <p:ph type="body" idx="1"/>
+          </p:nvPr>
+        </p:nvSpPr>
+        <p:spPr/>
+        <p:txBody>
+          <a:bodyPr/>
+          <a:lstStyle/>
+          <a:p>
+            <a:endParaRPr lang="hu-HU"/>
+          </a:p>
+        </p:txBody>
+      </p:sp>
+      <p:sp>
+        <p:nvSpPr>
+          <p:cNvPr id="4" name="Dia számának helye 3"/>
+          <p:cNvSpPr>
+            <a:spLocks noGrp="1"/>
+          </p:cNvSpPr>
+          <p:nvPr>
+            <p:ph type="sldNum" sz="quarter" idx="10"/>
+          </p:nvPr>
+        </p:nvSpPr>
+        <p:spPr/>
+        <p:txBody>
+          <a:bodyPr/>
+          <a:lstStyle/>
+          <a:p>
+            <a:fld id="{9CF44FE7-572C-49D6-B6A9-CF4E786F081A}" type="slidenum">
+              <a:rPr lang="hu-HU" smtClean="0"/>
+              <a:t>42</a:t>
+            </a:fld>
+            <a:endParaRPr lang="hu-HU"/>
+          </a:p>
+        </p:txBody>
+      </p:sp>
+    </p:spTree>
+    <p:extLst>
+      <p:ext uri="{BB962C8B-B14F-4D97-AF65-F5344CB8AC3E}">
+        <p14:creationId xmlns:p14="http://schemas.microsoft.com/office/powerpoint/2010/main" val="3230361261"/>
+      </p:ext>
+    </p:extLst>
+  </p:cSld>
+  <p:clrMapOvr>
+    <a:masterClrMapping/>
+  </p:clrMapOvr>
+</p:notes>
+</file>
+
+<file path=ppt/notesSlides/notesSlide43.xml><?xml version="1.0" encoding="utf-8"?>
+<p:notes xmlns:a="http://schemas.openxmlformats.org/drawingml/2006/main" xmlns:r="http://schemas.openxmlformats.org/officeDocument/2006/relationships" xmlns:p="http://schemas.openxmlformats.org/presentationml/2006/main">
+  <p:cSld>
+    <p:spTree>
+      <p:nvGrpSpPr>
+        <p:cNvPr id="1" name=""/>
+        <p:cNvGrpSpPr/>
+        <p:nvPr/>
+      </p:nvGrpSpPr>
+      <p:grpSpPr>
+        <a:xfrm>
+          <a:off x="0" y="0"/>
+          <a:ext cx="0" cy="0"/>
+          <a:chOff x="0" y="0"/>
+          <a:chExt cx="0" cy="0"/>
+        </a:xfrm>
+      </p:grpSpPr>
+      <p:sp>
+        <p:nvSpPr>
+          <p:cNvPr id="2" name="Diakép helye 1"/>
+          <p:cNvSpPr>
+            <a:spLocks noGrp="1" noRot="1" noChangeAspect="1"/>
+          </p:cNvSpPr>
+          <p:nvPr>
+            <p:ph type="sldImg"/>
+          </p:nvPr>
+        </p:nvSpPr>
+        <p:spPr/>
+      </p:sp>
+      <p:sp>
+        <p:nvSpPr>
+          <p:cNvPr id="3" name="Jegyzetek helye 2"/>
+          <p:cNvSpPr>
+            <a:spLocks noGrp="1"/>
+          </p:cNvSpPr>
+          <p:nvPr>
+            <p:ph type="body" idx="1"/>
+          </p:nvPr>
+        </p:nvSpPr>
+        <p:spPr/>
+        <p:txBody>
+          <a:bodyPr/>
+          <a:lstStyle/>
+          <a:p>
+            <a:endParaRPr lang="hu-HU"/>
+          </a:p>
+        </p:txBody>
+      </p:sp>
+      <p:sp>
+        <p:nvSpPr>
+          <p:cNvPr id="4" name="Dia számának helye 3"/>
+          <p:cNvSpPr>
+            <a:spLocks noGrp="1"/>
+          </p:cNvSpPr>
+          <p:nvPr>
+            <p:ph type="sldNum" sz="quarter" idx="10"/>
+          </p:nvPr>
+        </p:nvSpPr>
+        <p:spPr/>
+        <p:txBody>
+          <a:bodyPr/>
+          <a:lstStyle/>
+          <a:p>
+            <a:fld id="{9CF44FE7-572C-49D6-B6A9-CF4E786F081A}" type="slidenum">
+              <a:rPr lang="hu-HU" smtClean="0"/>
+              <a:t>43</a:t>
+            </a:fld>
+            <a:endParaRPr lang="hu-HU"/>
+          </a:p>
+        </p:txBody>
+      </p:sp>
+    </p:spTree>
+    <p:extLst>
+      <p:ext uri="{BB962C8B-B14F-4D97-AF65-F5344CB8AC3E}">
+        <p14:creationId xmlns:p14="http://schemas.microsoft.com/office/powerpoint/2010/main" val="309007761"/>
+      </p:ext>
+    </p:extLst>
+  </p:cSld>
+  <p:clrMapOvr>
+    <a:masterClrMapping/>
+  </p:clrMapOvr>
+</p:notes>
+</file>
+
+<file path=ppt/notesSlides/notesSlide44.xml><?xml version="1.0" encoding="utf-8"?>
+<p:notes xmlns:a="http://schemas.openxmlformats.org/drawingml/2006/main" xmlns:r="http://schemas.openxmlformats.org/officeDocument/2006/relationships" xmlns:p="http://schemas.openxmlformats.org/presentationml/2006/main">
+  <p:cSld>
+    <p:spTree>
+      <p:nvGrpSpPr>
+        <p:cNvPr id="1" name=""/>
+        <p:cNvGrpSpPr/>
+        <p:nvPr/>
+      </p:nvGrpSpPr>
+      <p:grpSpPr>
+        <a:xfrm>
+          <a:off x="0" y="0"/>
+          <a:ext cx="0" cy="0"/>
+          <a:chOff x="0" y="0"/>
+          <a:chExt cx="0" cy="0"/>
+        </a:xfrm>
+      </p:grpSpPr>
+      <p:sp>
+        <p:nvSpPr>
+          <p:cNvPr id="2" name="Diakép helye 1"/>
+          <p:cNvSpPr>
+            <a:spLocks noGrp="1" noRot="1" noChangeAspect="1"/>
+          </p:cNvSpPr>
+          <p:nvPr>
+            <p:ph type="sldImg"/>
+          </p:nvPr>
+        </p:nvSpPr>
+        <p:spPr/>
+      </p:sp>
+      <p:sp>
+        <p:nvSpPr>
+          <p:cNvPr id="3" name="Jegyzetek helye 2"/>
+          <p:cNvSpPr>
+            <a:spLocks noGrp="1"/>
+          </p:cNvSpPr>
+          <p:nvPr>
+            <p:ph type="body" idx="1"/>
+          </p:nvPr>
+        </p:nvSpPr>
+        <p:spPr/>
+        <p:txBody>
+          <a:bodyPr/>
+          <a:lstStyle/>
+          <a:p>
+            <a:endParaRPr lang="hu-HU"/>
+          </a:p>
+        </p:txBody>
+      </p:sp>
+      <p:sp>
+        <p:nvSpPr>
+          <p:cNvPr id="4" name="Dia számának helye 3"/>
+          <p:cNvSpPr>
+            <a:spLocks noGrp="1"/>
+          </p:cNvSpPr>
+          <p:nvPr>
+            <p:ph type="sldNum" sz="quarter" idx="10"/>
+          </p:nvPr>
+        </p:nvSpPr>
+        <p:spPr/>
+        <p:txBody>
+          <a:bodyPr/>
+          <a:lstStyle/>
+          <a:p>
+            <a:fld id="{9CF44FE7-572C-49D6-B6A9-CF4E786F081A}" type="slidenum">
+              <a:rPr lang="hu-HU" smtClean="0"/>
+              <a:t>44</a:t>
+            </a:fld>
+            <a:endParaRPr lang="hu-HU"/>
+          </a:p>
+        </p:txBody>
+      </p:sp>
+    </p:spTree>
+    <p:extLst>
+      <p:ext uri="{BB962C8B-B14F-4D97-AF65-F5344CB8AC3E}">
+        <p14:creationId xmlns:p14="http://schemas.microsoft.com/office/powerpoint/2010/main" val="1116701259"/>
+      </p:ext>
+    </p:extLst>
+  </p:cSld>
+  <p:clrMapOvr>
+    <a:masterClrMapping/>
+  </p:clrMapOvr>
+</p:notes>
+</file>
+
+<file path=ppt/notesSlides/notesSlide45.xml><?xml version="1.0" encoding="utf-8"?>
+<p:notes xmlns:a="http://schemas.openxmlformats.org/drawingml/2006/main" xmlns:r="http://schemas.openxmlformats.org/officeDocument/2006/relationships" xmlns:p="http://schemas.openxmlformats.org/presentationml/2006/main">
+  <p:cSld>
+    <p:spTree>
+      <p:nvGrpSpPr>
+        <p:cNvPr id="1" name=""/>
+        <p:cNvGrpSpPr/>
+        <p:nvPr/>
+      </p:nvGrpSpPr>
+      <p:grpSpPr>
+        <a:xfrm>
+          <a:off x="0" y="0"/>
+          <a:ext cx="0" cy="0"/>
+          <a:chOff x="0" y="0"/>
+          <a:chExt cx="0" cy="0"/>
+        </a:xfrm>
+      </p:grpSpPr>
+      <p:sp>
+        <p:nvSpPr>
+          <p:cNvPr id="2" name="Diakép helye 1"/>
+          <p:cNvSpPr>
+            <a:spLocks noGrp="1" noRot="1" noChangeAspect="1"/>
+          </p:cNvSpPr>
+          <p:nvPr>
+            <p:ph type="sldImg"/>
+          </p:nvPr>
+        </p:nvSpPr>
+        <p:spPr/>
+      </p:sp>
+      <p:sp>
+        <p:nvSpPr>
+          <p:cNvPr id="3" name="Jegyzetek helye 2"/>
+          <p:cNvSpPr>
+            <a:spLocks noGrp="1"/>
+          </p:cNvSpPr>
+          <p:nvPr>
+            <p:ph type="body" idx="1"/>
+          </p:nvPr>
+        </p:nvSpPr>
+        <p:spPr/>
+        <p:txBody>
+          <a:bodyPr/>
+          <a:lstStyle/>
+          <a:p>
+            <a:endParaRPr lang="hu-HU"/>
+          </a:p>
+        </p:txBody>
+      </p:sp>
+      <p:sp>
+        <p:nvSpPr>
+          <p:cNvPr id="4" name="Dia számának helye 3"/>
+          <p:cNvSpPr>
+            <a:spLocks noGrp="1"/>
+          </p:cNvSpPr>
+          <p:nvPr>
+            <p:ph type="sldNum" sz="quarter" idx="10"/>
+          </p:nvPr>
+        </p:nvSpPr>
+        <p:spPr/>
+        <p:txBody>
+          <a:bodyPr/>
+          <a:lstStyle/>
+          <a:p>
+            <a:fld id="{9CF44FE7-572C-49D6-B6A9-CF4E786F081A}" type="slidenum">
+              <a:rPr lang="hu-HU" smtClean="0"/>
+              <a:t>45</a:t>
+            </a:fld>
+            <a:endParaRPr lang="hu-HU"/>
+          </a:p>
+        </p:txBody>
+      </p:sp>
+    </p:spTree>
+    <p:extLst>
+      <p:ext uri="{BB962C8B-B14F-4D97-AF65-F5344CB8AC3E}">
+        <p14:creationId xmlns:p14="http://schemas.microsoft.com/office/powerpoint/2010/main" val="1036657911"/>
+      </p:ext>
+    </p:extLst>
+  </p:cSld>
+  <p:clrMapOvr>
+    <a:masterClrMapping/>
+  </p:clrMapOvr>
+</p:notes>
+</file>
+
+<file path=ppt/notesSlides/notesSlide5.xml><?xml version="1.0" encoding="utf-8"?>
+<p:notes xmlns:a="http://schemas.openxmlformats.org/drawingml/2006/main" xmlns:r="http://schemas.openxmlformats.org/officeDocument/2006/relationships" xmlns:p="http://schemas.openxmlformats.org/presentationml/2006/main">
+  <p:cSld>
+    <p:spTree>
+      <p:nvGrpSpPr>
+        <p:cNvPr id="1" name=""/>
+        <p:cNvGrpSpPr/>
+        <p:nvPr/>
+      </p:nvGrpSpPr>
+      <p:grpSpPr>
+        <a:xfrm>
+          <a:off x="0" y="0"/>
+          <a:ext cx="0" cy="0"/>
+          <a:chOff x="0" y="0"/>
+          <a:chExt cx="0" cy="0"/>
+        </a:xfrm>
+      </p:grpSpPr>
+      <p:sp>
+        <p:nvSpPr>
+          <p:cNvPr id="2" name="Diakép helye 1"/>
+          <p:cNvSpPr>
+            <a:spLocks noGrp="1" noRot="1" noChangeAspect="1"/>
+          </p:cNvSpPr>
+          <p:nvPr>
+            <p:ph type="sldImg"/>
+          </p:nvPr>
+        </p:nvSpPr>
+        <p:spPr/>
+      </p:sp>
+      <p:sp>
+        <p:nvSpPr>
+          <p:cNvPr id="3" name="Jegyzetek helye 2"/>
+          <p:cNvSpPr>
+            <a:spLocks noGrp="1"/>
+          </p:cNvSpPr>
+          <p:nvPr>
+            <p:ph type="body" idx="1"/>
+          </p:nvPr>
+        </p:nvSpPr>
+        <p:spPr/>
+        <p:txBody>
+          <a:bodyPr/>
+          <a:lstStyle/>
+          <a:p>
+            <a:endParaRPr lang="hu-HU"/>
+          </a:p>
+        </p:txBody>
+      </p:sp>
+      <p:sp>
+        <p:nvSpPr>
+          <p:cNvPr id="4" name="Dia számának helye 3"/>
+          <p:cNvSpPr>
+            <a:spLocks noGrp="1"/>
+          </p:cNvSpPr>
+          <p:nvPr>
+            <p:ph type="sldNum" sz="quarter" idx="10"/>
+          </p:nvPr>
+        </p:nvSpPr>
+        <p:spPr/>
+        <p:txBody>
+          <a:bodyPr/>
+          <a:lstStyle/>
+          <a:p>
+            <a:fld id="{9CF44FE7-572C-49D6-B6A9-CF4E786F081A}" type="slidenum">
+              <a:rPr lang="hu-HU" smtClean="0"/>
+              <a:t>5</a:t>
+            </a:fld>
+            <a:endParaRPr lang="hu-HU"/>
+          </a:p>
+        </p:txBody>
+      </p:sp>
+    </p:spTree>
+    <p:extLst>
+      <p:ext uri="{BB962C8B-B14F-4D97-AF65-F5344CB8AC3E}">
+        <p14:creationId xmlns:p14="http://schemas.microsoft.com/office/powerpoint/2010/main" val="3108911354"/>
+      </p:ext>
+    </p:extLst>
+  </p:cSld>
+  <p:clrMapOvr>
+    <a:masterClrMapping/>
+  </p:clrMapOvr>
+</p:notes>
+</file>
+
+<file path=ppt/notesSlides/notesSlide6.xml><?xml version="1.0" encoding="utf-8"?>
+<p:notes xmlns:a="http://schemas.openxmlformats.org/drawingml/2006/main" xmlns:r="http://schemas.openxmlformats.org/officeDocument/2006/relationships" xmlns:p="http://schemas.openxmlformats.org/presentationml/2006/main">
+  <p:cSld>
+    <p:spTree>
+      <p:nvGrpSpPr>
+        <p:cNvPr id="1" name=""/>
+        <p:cNvGrpSpPr/>
+        <p:nvPr/>
+      </p:nvGrpSpPr>
+      <p:grpSpPr>
+        <a:xfrm>
+          <a:off x="0" y="0"/>
+          <a:ext cx="0" cy="0"/>
+          <a:chOff x="0" y="0"/>
+          <a:chExt cx="0" cy="0"/>
+        </a:xfrm>
+      </p:grpSpPr>
+      <p:sp>
+        <p:nvSpPr>
+          <p:cNvPr id="2" name="Diakép helye 1"/>
+          <p:cNvSpPr>
+            <a:spLocks noGrp="1" noRot="1" noChangeAspect="1"/>
+          </p:cNvSpPr>
+          <p:nvPr>
+            <p:ph type="sldImg"/>
+          </p:nvPr>
+        </p:nvSpPr>
+        <p:spPr/>
+      </p:sp>
+      <p:sp>
+        <p:nvSpPr>
+          <p:cNvPr id="3" name="Jegyzetek helye 2"/>
+          <p:cNvSpPr>
+            <a:spLocks noGrp="1"/>
+          </p:cNvSpPr>
+          <p:nvPr>
+            <p:ph type="body" idx="1"/>
+          </p:nvPr>
+        </p:nvSpPr>
+        <p:spPr/>
+        <p:txBody>
+          <a:bodyPr/>
+          <a:lstStyle/>
+          <a:p>
+            <a:endParaRPr lang="hu-HU"/>
+          </a:p>
+        </p:txBody>
+      </p:sp>
+      <p:sp>
+        <p:nvSpPr>
+          <p:cNvPr id="4" name="Dia számának helye 3"/>
+          <p:cNvSpPr>
+            <a:spLocks noGrp="1"/>
+          </p:cNvSpPr>
+          <p:nvPr>
+            <p:ph type="sldNum" sz="quarter" idx="10"/>
+          </p:nvPr>
+        </p:nvSpPr>
+        <p:spPr/>
+        <p:txBody>
+          <a:bodyPr/>
+          <a:lstStyle/>
+          <a:p>
+            <a:fld id="{9CF44FE7-572C-49D6-B6A9-CF4E786F081A}" type="slidenum">
+              <a:rPr lang="hu-HU" smtClean="0"/>
+              <a:t>6</a:t>
+            </a:fld>
+            <a:endParaRPr lang="hu-HU"/>
+          </a:p>
+        </p:txBody>
+      </p:sp>
+    </p:spTree>
+    <p:extLst>
+      <p:ext uri="{BB962C8B-B14F-4D97-AF65-F5344CB8AC3E}">
+        <p14:creationId xmlns:p14="http://schemas.microsoft.com/office/powerpoint/2010/main" val="3882468756"/>
+      </p:ext>
+    </p:extLst>
+  </p:cSld>
+  <p:clrMapOvr>
+    <a:masterClrMapping/>
+  </p:clrMapOvr>
+</p:notes>
+</file>
+
+<file path=ppt/notesSlides/notesSlide7.xml><?xml version="1.0" encoding="utf-8"?>
+<p:notes xmlns:a="http://schemas.openxmlformats.org/drawingml/2006/main" xmlns:r="http://schemas.openxmlformats.org/officeDocument/2006/relationships" xmlns:p="http://schemas.openxmlformats.org/presentationml/2006/main">
+  <p:cSld>
+    <p:spTree>
+      <p:nvGrpSpPr>
+        <p:cNvPr id="1" name=""/>
+        <p:cNvGrpSpPr/>
+        <p:nvPr/>
+      </p:nvGrpSpPr>
+      <p:grpSpPr>
+        <a:xfrm>
+          <a:off x="0" y="0"/>
+          <a:ext cx="0" cy="0"/>
+          <a:chOff x="0" y="0"/>
+          <a:chExt cx="0" cy="0"/>
+        </a:xfrm>
+      </p:grpSpPr>
+      <p:sp>
+        <p:nvSpPr>
+          <p:cNvPr id="2" name="Diakép helye 1"/>
+          <p:cNvSpPr>
+            <a:spLocks noGrp="1" noRot="1" noChangeAspect="1"/>
+          </p:cNvSpPr>
+          <p:nvPr>
+            <p:ph type="sldImg"/>
+          </p:nvPr>
+        </p:nvSpPr>
+        <p:spPr/>
+      </p:sp>
+      <p:sp>
+        <p:nvSpPr>
+          <p:cNvPr id="3" name="Jegyzetek helye 2"/>
+          <p:cNvSpPr>
+            <a:spLocks noGrp="1"/>
+          </p:cNvSpPr>
+          <p:nvPr>
+            <p:ph type="body" idx="1"/>
+          </p:nvPr>
+        </p:nvSpPr>
+        <p:spPr/>
+        <p:txBody>
+          <a:bodyPr/>
+          <a:lstStyle/>
+          <a:p>
+            <a:endParaRPr lang="hu-HU"/>
+          </a:p>
+        </p:txBody>
+      </p:sp>
+      <p:sp>
+        <p:nvSpPr>
+          <p:cNvPr id="4" name="Dia számának helye 3"/>
+          <p:cNvSpPr>
+            <a:spLocks noGrp="1"/>
+          </p:cNvSpPr>
+          <p:nvPr>
+            <p:ph type="sldNum" sz="quarter" idx="10"/>
+          </p:nvPr>
+        </p:nvSpPr>
+        <p:spPr/>
+        <p:txBody>
+          <a:bodyPr/>
+          <a:lstStyle/>
+          <a:p>
+            <a:fld id="{9CF44FE7-572C-49D6-B6A9-CF4E786F081A}" type="slidenum">
+              <a:rPr lang="hu-HU" smtClean="0"/>
+              <a:t>7</a:t>
+            </a:fld>
+            <a:endParaRPr lang="hu-HU"/>
+          </a:p>
+        </p:txBody>
+      </p:sp>
+    </p:spTree>
+    <p:extLst>
+      <p:ext uri="{BB962C8B-B14F-4D97-AF65-F5344CB8AC3E}">
+        <p14:creationId xmlns:p14="http://schemas.microsoft.com/office/powerpoint/2010/main" val="1639204982"/>
+      </p:ext>
+    </p:extLst>
+  </p:cSld>
+  <p:clrMapOvr>
+    <a:masterClrMapping/>
+  </p:clrMapOvr>
+</p:notes>
+</file>
+
+<file path=ppt/notesSlides/notesSlide8.xml><?xml version="1.0" encoding="utf-8"?>
+<p:notes xmlns:a="http://schemas.openxmlformats.org/drawingml/2006/main" xmlns:r="http://schemas.openxmlformats.org/officeDocument/2006/relationships" xmlns:p="http://schemas.openxmlformats.org/presentationml/2006/main">
+  <p:cSld>
+    <p:spTree>
+      <p:nvGrpSpPr>
+        <p:cNvPr id="1" name=""/>
+        <p:cNvGrpSpPr/>
+        <p:nvPr/>
+      </p:nvGrpSpPr>
+      <p:grpSpPr>
+        <a:xfrm>
+          <a:off x="0" y="0"/>
+          <a:ext cx="0" cy="0"/>
+          <a:chOff x="0" y="0"/>
+          <a:chExt cx="0" cy="0"/>
+        </a:xfrm>
+      </p:grpSpPr>
+      <p:sp>
+        <p:nvSpPr>
+          <p:cNvPr id="2" name="Diakép helye 1"/>
+          <p:cNvSpPr>
+            <a:spLocks noGrp="1" noRot="1" noChangeAspect="1"/>
+          </p:cNvSpPr>
+          <p:nvPr>
+            <p:ph type="sldImg"/>
+          </p:nvPr>
+        </p:nvSpPr>
+        <p:spPr/>
+      </p:sp>
+      <p:sp>
+        <p:nvSpPr>
+          <p:cNvPr id="3" name="Jegyzetek helye 2"/>
+          <p:cNvSpPr>
+            <a:spLocks noGrp="1"/>
+          </p:cNvSpPr>
+          <p:nvPr>
+            <p:ph type="body" idx="1"/>
+          </p:nvPr>
+        </p:nvSpPr>
+        <p:spPr/>
+        <p:txBody>
+          <a:bodyPr/>
+          <a:lstStyle/>
+          <a:p>
+            <a:endParaRPr lang="hu-HU"/>
+          </a:p>
+        </p:txBody>
+      </p:sp>
+      <p:sp>
+        <p:nvSpPr>
+          <p:cNvPr id="4" name="Dia számának helye 3"/>
+          <p:cNvSpPr>
+            <a:spLocks noGrp="1"/>
+          </p:cNvSpPr>
+          <p:nvPr>
+            <p:ph type="sldNum" sz="quarter" idx="10"/>
+          </p:nvPr>
+        </p:nvSpPr>
+        <p:spPr/>
+        <p:txBody>
+          <a:bodyPr/>
+          <a:lstStyle/>
+          <a:p>
+            <a:fld id="{9CF44FE7-572C-49D6-B6A9-CF4E786F081A}" type="slidenum">
+              <a:rPr lang="hu-HU" smtClean="0"/>
+              <a:t>8</a:t>
+            </a:fld>
+            <a:endParaRPr lang="hu-HU"/>
+          </a:p>
+        </p:txBody>
+      </p:sp>
+    </p:spTree>
+    <p:extLst>
+      <p:ext uri="{BB962C8B-B14F-4D97-AF65-F5344CB8AC3E}">
+        <p14:creationId xmlns:p14="http://schemas.microsoft.com/office/powerpoint/2010/main" val="1167808242"/>
+      </p:ext>
+    </p:extLst>
+  </p:cSld>
+  <p:clrMapOvr>
+    <a:masterClrMapping/>
+  </p:clrMapOvr>
+</p:notes>
+</file>
+
+<file path=ppt/notesSlides/notesSlide9.xml><?xml version="1.0" encoding="utf-8"?>
+<p:notes xmlns:a="http://schemas.openxmlformats.org/drawingml/2006/main" xmlns:r="http://schemas.openxmlformats.org/officeDocument/2006/relationships" xmlns:p="http://schemas.openxmlformats.org/presentationml/2006/main">
+  <p:cSld>
+    <p:spTree>
+      <p:nvGrpSpPr>
+        <p:cNvPr id="1" name=""/>
+        <p:cNvGrpSpPr/>
+        <p:nvPr/>
+      </p:nvGrpSpPr>
+      <p:grpSpPr>
+        <a:xfrm>
+          <a:off x="0" y="0"/>
+          <a:ext cx="0" cy="0"/>
+          <a:chOff x="0" y="0"/>
+          <a:chExt cx="0" cy="0"/>
+        </a:xfrm>
+      </p:grpSpPr>
+      <p:sp>
+        <p:nvSpPr>
+          <p:cNvPr id="2" name="Diakép helye 1"/>
+          <p:cNvSpPr>
+            <a:spLocks noGrp="1" noRot="1" noChangeAspect="1"/>
+          </p:cNvSpPr>
+          <p:nvPr>
+            <p:ph type="sldImg"/>
+          </p:nvPr>
+        </p:nvSpPr>
+        <p:spPr/>
+      </p:sp>
+      <p:sp>
+        <p:nvSpPr>
+          <p:cNvPr id="3" name="Jegyzetek helye 2"/>
+          <p:cNvSpPr>
+            <a:spLocks noGrp="1"/>
+          </p:cNvSpPr>
+          <p:nvPr>
+            <p:ph type="body" idx="1"/>
+          </p:nvPr>
+        </p:nvSpPr>
+        <p:spPr/>
+        <p:txBody>
+          <a:bodyPr/>
+          <a:lstStyle/>
+          <a:p>
+            <a:endParaRPr lang="hu-HU"/>
+          </a:p>
+        </p:txBody>
+      </p:sp>
+      <p:sp>
+        <p:nvSpPr>
+          <p:cNvPr id="4" name="Dia számának helye 3"/>
+          <p:cNvSpPr>
+            <a:spLocks noGrp="1"/>
+          </p:cNvSpPr>
+          <p:nvPr>
+            <p:ph type="sldNum" sz="quarter" idx="10"/>
+          </p:nvPr>
+        </p:nvSpPr>
+        <p:spPr/>
+        <p:txBody>
+          <a:bodyPr/>
+          <a:lstStyle/>
+          <a:p>
+            <a:fld id="{9CF44FE7-572C-49D6-B6A9-CF4E786F081A}" type="slidenum">
+              <a:rPr lang="hu-HU" smtClean="0"/>
+              <a:t>9</a:t>
+            </a:fld>
+            <a:endParaRPr lang="hu-HU"/>
+          </a:p>
+        </p:txBody>
+      </p:sp>
+    </p:spTree>
+    <p:extLst>
+      <p:ext uri="{BB962C8B-B14F-4D97-AF65-F5344CB8AC3E}">
+        <p14:creationId xmlns:p14="http://schemas.microsoft.com/office/powerpoint/2010/main" val="2206350695"/>
+      </p:ext>
+    </p:extLst>
+  </p:cSld>
+  <p:clrMapOvr>
+    <a:masterClrMapping/>
+  </p:clrMapOvr>
+</p:notes>
 </file>
 
 <file path=ppt/slideLayouts/slideLayout1.xml><?xml version="1.0" encoding="utf-8"?>
@@ -4826,7 +9127,12 @@
             <p:ph idx="1"/>
           </p:nvPr>
         </p:nvSpPr>
-        <p:spPr/>
+        <p:spPr>
+          <a:xfrm>
+            <a:off x="1097279" y="1845734"/>
+            <a:ext cx="10437223" cy="4023360"/>
+          </a:xfrm>
+        </p:spPr>
         <p:txBody>
           <a:bodyPr>
             <a:normAutofit fontScale="92500" lnSpcReduction="20000"/>
@@ -5259,7 +9565,15 @@
             </a:r>
             <a:r>
               <a:rPr lang="hu-HU" sz="2200" dirty="0" smtClean="0"/>
-              <a:t>4. nincs teljes kanonikus forma, de van szintaktika megszorítás</a:t>
+              <a:t>4. nincs teljes kanonikus forma, de van </a:t>
+            </a:r>
+            <a:r>
+              <a:rPr lang="hu-HU" sz="2200" dirty="0" smtClean="0"/>
+              <a:t>szemantikai </a:t>
+            </a:r>
+            <a:r>
+              <a:rPr lang="hu-HU" sz="2200" dirty="0" smtClean="0"/>
+              <a:t>megszorítás</a:t>
             </a:r>
           </a:p>
           <a:p>
@@ -6636,7 +10950,7 @@
           <p:nvPr/>
         </p:nvPicPr>
         <p:blipFill>
-          <a:blip r:embed="rId2">
+          <a:blip r:embed="rId3">
             <a:extLst>
               <a:ext uri="{28A0092B-C50C-407E-A947-70E740481C1C}">
                 <a14:useLocalDpi xmlns:a14="http://schemas.microsoft.com/office/drawing/2010/main" val="0"/>
@@ -6766,7 +11080,7 @@
           <p:nvPr/>
         </p:nvPicPr>
         <p:blipFill>
-          <a:blip r:embed="rId2">
+          <a:blip r:embed="rId3">
             <a:extLst>
               <a:ext uri="{28A0092B-C50C-407E-A947-70E740481C1C}">
                 <a14:useLocalDpi xmlns:a14="http://schemas.microsoft.com/office/drawing/2010/main" val="0"/>
@@ -7040,7 +11354,7 @@
           <p:nvPr/>
         </p:nvPicPr>
         <p:blipFill>
-          <a:blip r:embed="rId2">
+          <a:blip r:embed="rId3">
             <a:extLst>
               <a:ext uri="{28A0092B-C50C-407E-A947-70E740481C1C}">
                 <a14:useLocalDpi xmlns:a14="http://schemas.microsoft.com/office/drawing/2010/main" val="0"/>
@@ -7180,7 +11494,7 @@
           <p:nvPr/>
         </p:nvPicPr>
         <p:blipFill>
-          <a:blip r:embed="rId2">
+          <a:blip r:embed="rId3">
             <a:extLst>
               <a:ext uri="{28A0092B-C50C-407E-A947-70E740481C1C}">
                 <a14:useLocalDpi xmlns:a14="http://schemas.microsoft.com/office/drawing/2010/main" val="0"/>
@@ -7332,7 +11646,7 @@
           <p:nvPr/>
         </p:nvPicPr>
         <p:blipFill>
-          <a:blip r:embed="rId2">
+          <a:blip r:embed="rId3">
             <a:extLst>
               <a:ext uri="{28A0092B-C50C-407E-A947-70E740481C1C}">
                 <a14:useLocalDpi xmlns:a14="http://schemas.microsoft.com/office/drawing/2010/main" val="0"/>
@@ -7540,7 +11854,7 @@
           <p:nvPr/>
         </p:nvPicPr>
         <p:blipFill>
-          <a:blip r:embed="rId2">
+          <a:blip r:embed="rId3">
             <a:extLst>
               <a:ext uri="{28A0092B-C50C-407E-A947-70E740481C1C}">
                 <a14:useLocalDpi xmlns:a14="http://schemas.microsoft.com/office/drawing/2010/main" val="0"/>
@@ -7575,7 +11889,7 @@
           <p:nvPr/>
         </p:nvPicPr>
         <p:blipFill>
-          <a:blip r:embed="rId3">
+          <a:blip r:embed="rId4">
             <a:extLst>
               <a:ext uri="{28A0092B-C50C-407E-A947-70E740481C1C}">
                 <a14:useLocalDpi xmlns:a14="http://schemas.microsoft.com/office/drawing/2010/main" val="0"/>
@@ -8259,7 +12573,7 @@
           <p:nvPr/>
         </p:nvPicPr>
         <p:blipFill>
-          <a:blip r:embed="rId2">
+          <a:blip r:embed="rId3">
             <a:extLst>
               <a:ext uri="{28A0092B-C50C-407E-A947-70E740481C1C}">
                 <a14:useLocalDpi xmlns:a14="http://schemas.microsoft.com/office/drawing/2010/main" val="0"/>
@@ -8377,7 +12691,7 @@
           <p:nvPr/>
         </p:nvPicPr>
         <p:blipFill>
-          <a:blip r:embed="rId2">
+          <a:blip r:embed="rId3">
             <a:extLst>
               <a:ext uri="{28A0092B-C50C-407E-A947-70E740481C1C}">
                 <a14:useLocalDpi xmlns:a14="http://schemas.microsoft.com/office/drawing/2010/main" val="0"/>
@@ -9736,7 +14050,7 @@
           <p:nvPr/>
         </p:nvPicPr>
         <p:blipFill>
-          <a:blip r:embed="rId2">
+          <a:blip r:embed="rId3">
             <a:extLst>
               <a:ext uri="{28A0092B-C50C-407E-A947-70E740481C1C}">
                 <a14:useLocalDpi xmlns:a14="http://schemas.microsoft.com/office/drawing/2010/main" val="0"/>
@@ -11427,7 +15741,7 @@
           </p:nvPr>
         </p:nvPicPr>
         <p:blipFill>
-          <a:blip r:embed="rId2">
+          <a:blip r:embed="rId3">
             <a:extLst>
               <a:ext uri="{28A0092B-C50C-407E-A947-70E740481C1C}">
                 <a14:useLocalDpi xmlns:a14="http://schemas.microsoft.com/office/drawing/2010/main" val="0"/>
@@ -11831,7 +16145,7 @@
           <p:nvPr/>
         </p:nvPicPr>
         <p:blipFill>
-          <a:blip r:embed="rId2">
+          <a:blip r:embed="rId3">
             <a:extLst>
               <a:ext uri="{28A0092B-C50C-407E-A947-70E740481C1C}">
                 <a14:useLocalDpi xmlns:a14="http://schemas.microsoft.com/office/drawing/2010/main" val="0"/>
@@ -11999,13 +16313,8 @@
             <a:pPr lvl="5"/>
             <a:r>
               <a:rPr lang="hu-HU" sz="2000" dirty="0" smtClean="0"/>
-              <a:t>egyszavas: lehet több jelentésük, amelyeket szótári egységeknek </a:t>
-            </a:r>
-            <a:r>
-              <a:rPr lang="hu-HU" sz="2000" dirty="0" smtClean="0"/>
-              <a:t>hívunk</a:t>
-            </a:r>
-            <a:endParaRPr lang="hu-HU" sz="2000" dirty="0" smtClean="0"/>
+              <a:t>egyszavas: lehet több jelentésük, amelyeket szótári egységeknek hívunk</a:t>
+            </a:r>
           </a:p>
           <a:p>
             <a:pPr lvl="5">
@@ -12178,7 +16487,7 @@
           <p:nvPr/>
         </p:nvPicPr>
         <p:blipFill>
-          <a:blip r:embed="rId2">
+          <a:blip r:embed="rId3">
             <a:extLst>
               <a:ext uri="{28A0092B-C50C-407E-A947-70E740481C1C}">
                 <a14:useLocalDpi xmlns:a14="http://schemas.microsoft.com/office/drawing/2010/main" val="0"/>
@@ -12300,7 +16609,7 @@
           <p:nvPr/>
         </p:nvPicPr>
         <p:blipFill>
-          <a:blip r:embed="rId2">
+          <a:blip r:embed="rId3">
             <a:extLst>
               <a:ext uri="{28A0092B-C50C-407E-A947-70E740481C1C}">
                 <a14:useLocalDpi xmlns:a14="http://schemas.microsoft.com/office/drawing/2010/main" val="0"/>
@@ -12418,7 +16727,7 @@
           <p:nvPr/>
         </p:nvPicPr>
         <p:blipFill>
-          <a:blip r:embed="rId2">
+          <a:blip r:embed="rId3">
             <a:extLst>
               <a:ext uri="{28A0092B-C50C-407E-A947-70E740481C1C}">
                 <a14:useLocalDpi xmlns:a14="http://schemas.microsoft.com/office/drawing/2010/main" val="0"/>
@@ -12536,7 +16845,7 @@
           <p:nvPr/>
         </p:nvPicPr>
         <p:blipFill>
-          <a:blip r:embed="rId2">
+          <a:blip r:embed="rId3">
             <a:extLst>
               <a:ext uri="{28A0092B-C50C-407E-A947-70E740481C1C}">
                 <a14:useLocalDpi xmlns:a14="http://schemas.microsoft.com/office/drawing/2010/main" val="0"/>
@@ -12654,7 +16963,7 @@
           <p:nvPr/>
         </p:nvPicPr>
         <p:blipFill>
-          <a:blip r:embed="rId2">
+          <a:blip r:embed="rId3">
             <a:extLst>
               <a:ext uri="{28A0092B-C50C-407E-A947-70E740481C1C}">
                 <a14:useLocalDpi xmlns:a14="http://schemas.microsoft.com/office/drawing/2010/main" val="0"/>
@@ -12893,7 +17202,7 @@
           <p:nvPr/>
         </p:nvPicPr>
         <p:blipFill>
-          <a:blip r:embed="rId2">
+          <a:blip r:embed="rId3">
             <a:extLst>
               <a:ext uri="{28A0092B-C50C-407E-A947-70E740481C1C}">
                 <a14:useLocalDpi xmlns:a14="http://schemas.microsoft.com/office/drawing/2010/main" val="0"/>
@@ -13156,7 +17465,7 @@
           </p:nvPr>
         </p:nvPicPr>
         <p:blipFill>
-          <a:blip r:embed="rId2">
+          <a:blip r:embed="rId3">
             <a:extLst>
               <a:ext uri="{28A0092B-C50C-407E-A947-70E740481C1C}">
                 <a14:useLocalDpi xmlns:a14="http://schemas.microsoft.com/office/drawing/2010/main" val="0"/>
@@ -13782,4 +18091,526 @@
     </a:ext>
   </a:extLst>
 </a:theme>
+</file>
+
+<file path=ppt/theme/theme2.xml><?xml version="1.0" encoding="utf-8"?>
+<a:theme xmlns:a="http://schemas.openxmlformats.org/drawingml/2006/main" name="Office-téma">
+  <a:themeElements>
+    <a:clrScheme name="Office">
+      <a:dk1>
+        <a:sysClr val="windowText" lastClr="000000"/>
+      </a:dk1>
+      <a:lt1>
+        <a:sysClr val="window" lastClr="FFFFFF"/>
+      </a:lt1>
+      <a:dk2>
+        <a:srgbClr val="44546A"/>
+      </a:dk2>
+      <a:lt2>
+        <a:srgbClr val="E7E6E6"/>
+      </a:lt2>
+      <a:accent1>
+        <a:srgbClr val="5B9BD5"/>
+      </a:accent1>
+      <a:accent2>
+        <a:srgbClr val="ED7D31"/>
+      </a:accent2>
+      <a:accent3>
+        <a:srgbClr val="A5A5A5"/>
+      </a:accent3>
+      <a:accent4>
+        <a:srgbClr val="FFC000"/>
+      </a:accent4>
+      <a:accent5>
+        <a:srgbClr val="4472C4"/>
+      </a:accent5>
+      <a:accent6>
+        <a:srgbClr val="70AD47"/>
+      </a:accent6>
+      <a:hlink>
+        <a:srgbClr val="0563C1"/>
+      </a:hlink>
+      <a:folHlink>
+        <a:srgbClr val="954F72"/>
+      </a:folHlink>
+    </a:clrScheme>
+    <a:fontScheme name="Office">
+      <a:majorFont>
+        <a:latin typeface="Calibri Light" panose="020F0302020204030204"/>
+        <a:ea typeface=""/>
+        <a:cs typeface=""/>
+        <a:font script="Jpan" typeface="游ゴシック Light"/>
+        <a:font script="Hang" typeface="맑은 고딕"/>
+        <a:font script="Hans" typeface="等线 Light"/>
+        <a:font script="Hant" typeface="新細明體"/>
+        <a:font script="Arab" typeface="Times New Roman"/>
+        <a:font script="Hebr" typeface="Times New Roman"/>
+        <a:font script="Thai" typeface="Angsana New"/>
+        <a:font script="Ethi" typeface="Nyala"/>
+        <a:font script="Beng" typeface="Vrinda"/>
+        <a:font script="Gujr" typeface="Shruti"/>
+        <a:font script="Khmr" typeface="MoolBoran"/>
+        <a:font script="Knda" typeface="Tunga"/>
+        <a:font script="Guru" typeface="Raavi"/>
+        <a:font script="Cans" typeface="Euphemia"/>
+        <a:font script="Cher" typeface="Plantagenet Cherokee"/>
+        <a:font script="Yiii" typeface="Microsoft Yi Baiti"/>
+        <a:font script="Tibt" typeface="Microsoft Himalaya"/>
+        <a:font script="Thaa" typeface="MV Boli"/>
+        <a:font script="Deva" typeface="Mangal"/>
+        <a:font script="Telu" typeface="Gautami"/>
+        <a:font script="Taml" typeface="Latha"/>
+        <a:font script="Syrc" typeface="Estrangelo Edessa"/>
+        <a:font script="Orya" typeface="Kalinga"/>
+        <a:font script="Mlym" typeface="Kartika"/>
+        <a:font script="Laoo" typeface="DokChampa"/>
+        <a:font script="Sinh" typeface="Iskoola Pota"/>
+        <a:font script="Mong" typeface="Mongolian Baiti"/>
+        <a:font script="Viet" typeface="Times New Roman"/>
+        <a:font script="Uigh" typeface="Microsoft Uighur"/>
+        <a:font script="Geor" typeface="Sylfaen"/>
+      </a:majorFont>
+      <a:minorFont>
+        <a:latin typeface="Calibri" panose="020F0502020204030204"/>
+        <a:ea typeface=""/>
+        <a:cs typeface=""/>
+        <a:font script="Jpan" typeface="游ゴシック"/>
+        <a:font script="Hang" typeface="맑은 고딕"/>
+        <a:font script="Hans" typeface="等线"/>
+        <a:font script="Hant" typeface="新細明體"/>
+        <a:font script="Arab" typeface="Arial"/>
+        <a:font script="Hebr" typeface="Arial"/>
+        <a:font script="Thai" typeface="Cordia New"/>
+        <a:font script="Ethi" typeface="Nyala"/>
+        <a:font script="Beng" typeface="Vrinda"/>
+        <a:font script="Gujr" typeface="Shruti"/>
+        <a:font script="Khmr" typeface="DaunPenh"/>
+        <a:font script="Knda" typeface="Tunga"/>
+        <a:font script="Guru" typeface="Raavi"/>
+        <a:font script="Cans" typeface="Euphemia"/>
+        <a:font script="Cher" typeface="Plantagenet Cherokee"/>
+        <a:font script="Yiii" typeface="Microsoft Yi Baiti"/>
+        <a:font script="Tibt" typeface="Microsoft Himalaya"/>
+        <a:font script="Thaa" typeface="MV Boli"/>
+        <a:font script="Deva" typeface="Mangal"/>
+        <a:font script="Telu" typeface="Gautami"/>
+        <a:font script="Taml" typeface="Latha"/>
+        <a:font script="Syrc" typeface="Estrangelo Edessa"/>
+        <a:font script="Orya" typeface="Kalinga"/>
+        <a:font script="Mlym" typeface="Kartika"/>
+        <a:font script="Laoo" typeface="DokChampa"/>
+        <a:font script="Sinh" typeface="Iskoola Pota"/>
+        <a:font script="Mong" typeface="Mongolian Baiti"/>
+        <a:font script="Viet" typeface="Arial"/>
+        <a:font script="Uigh" typeface="Microsoft Uighur"/>
+        <a:font script="Geor" typeface="Sylfaen"/>
+      </a:minorFont>
+    </a:fontScheme>
+    <a:fmtScheme name="Office">
+      <a:fillStyleLst>
+        <a:solidFill>
+          <a:schemeClr val="phClr"/>
+        </a:solidFill>
+        <a:gradFill rotWithShape="1">
+          <a:gsLst>
+            <a:gs pos="0">
+              <a:schemeClr val="phClr">
+                <a:lumMod val="110000"/>
+                <a:satMod val="105000"/>
+                <a:tint val="67000"/>
+              </a:schemeClr>
+            </a:gs>
+            <a:gs pos="50000">
+              <a:schemeClr val="phClr">
+                <a:lumMod val="105000"/>
+                <a:satMod val="103000"/>
+                <a:tint val="73000"/>
+              </a:schemeClr>
+            </a:gs>
+            <a:gs pos="100000">
+              <a:schemeClr val="phClr">
+                <a:lumMod val="105000"/>
+                <a:satMod val="109000"/>
+                <a:tint val="81000"/>
+              </a:schemeClr>
+            </a:gs>
+          </a:gsLst>
+          <a:lin ang="5400000" scaled="0"/>
+        </a:gradFill>
+        <a:gradFill rotWithShape="1">
+          <a:gsLst>
+            <a:gs pos="0">
+              <a:schemeClr val="phClr">
+                <a:satMod val="103000"/>
+                <a:lumMod val="102000"/>
+                <a:tint val="94000"/>
+              </a:schemeClr>
+            </a:gs>
+            <a:gs pos="50000">
+              <a:schemeClr val="phClr">
+                <a:satMod val="110000"/>
+                <a:lumMod val="100000"/>
+                <a:shade val="100000"/>
+              </a:schemeClr>
+            </a:gs>
+            <a:gs pos="100000">
+              <a:schemeClr val="phClr">
+                <a:lumMod val="99000"/>
+                <a:satMod val="120000"/>
+                <a:shade val="78000"/>
+              </a:schemeClr>
+            </a:gs>
+          </a:gsLst>
+          <a:lin ang="5400000" scaled="0"/>
+        </a:gradFill>
+      </a:fillStyleLst>
+      <a:lnStyleLst>
+        <a:ln w="6350" cap="flat" cmpd="sng" algn="ctr">
+          <a:solidFill>
+            <a:schemeClr val="phClr"/>
+          </a:solidFill>
+          <a:prstDash val="solid"/>
+          <a:miter lim="800000"/>
+        </a:ln>
+        <a:ln w="12700" cap="flat" cmpd="sng" algn="ctr">
+          <a:solidFill>
+            <a:schemeClr val="phClr"/>
+          </a:solidFill>
+          <a:prstDash val="solid"/>
+          <a:miter lim="800000"/>
+        </a:ln>
+        <a:ln w="19050" cap="flat" cmpd="sng" algn="ctr">
+          <a:solidFill>
+            <a:schemeClr val="phClr"/>
+          </a:solidFill>
+          <a:prstDash val="solid"/>
+          <a:miter lim="800000"/>
+        </a:ln>
+      </a:lnStyleLst>
+      <a:effectStyleLst>
+        <a:effectStyle>
+          <a:effectLst/>
+        </a:effectStyle>
+        <a:effectStyle>
+          <a:effectLst/>
+        </a:effectStyle>
+        <a:effectStyle>
+          <a:effectLst>
+            <a:outerShdw blurRad="57150" dist="19050" dir="5400000" algn="ctr" rotWithShape="0">
+              <a:srgbClr val="000000">
+                <a:alpha val="63000"/>
+              </a:srgbClr>
+            </a:outerShdw>
+          </a:effectLst>
+        </a:effectStyle>
+      </a:effectStyleLst>
+      <a:bgFillStyleLst>
+        <a:solidFill>
+          <a:schemeClr val="phClr"/>
+        </a:solidFill>
+        <a:solidFill>
+          <a:schemeClr val="phClr">
+            <a:tint val="95000"/>
+            <a:satMod val="170000"/>
+          </a:schemeClr>
+        </a:solidFill>
+        <a:gradFill rotWithShape="1">
+          <a:gsLst>
+            <a:gs pos="0">
+              <a:schemeClr val="phClr">
+                <a:tint val="93000"/>
+                <a:satMod val="150000"/>
+                <a:shade val="98000"/>
+                <a:lumMod val="102000"/>
+              </a:schemeClr>
+            </a:gs>
+            <a:gs pos="50000">
+              <a:schemeClr val="phClr">
+                <a:tint val="98000"/>
+                <a:satMod val="130000"/>
+                <a:shade val="90000"/>
+                <a:lumMod val="103000"/>
+              </a:schemeClr>
+            </a:gs>
+            <a:gs pos="100000">
+              <a:schemeClr val="phClr">
+                <a:shade val="63000"/>
+                <a:satMod val="120000"/>
+              </a:schemeClr>
+            </a:gs>
+          </a:gsLst>
+          <a:lin ang="5400000" scaled="0"/>
+        </a:gradFill>
+      </a:bgFillStyleLst>
+    </a:fmtScheme>
+  </a:themeElements>
+  <a:objectDefaults/>
+  <a:extraClrSchemeLst/>
+  <a:extLst>
+    <a:ext uri="{05A4C25C-085E-4340-85A3-A5531E510DB2}">
+      <thm15:themeFamily xmlns:thm15="http://schemas.microsoft.com/office/thememl/2012/main" name="Office Theme" id="{62F939B6-93AF-4DB8-9C6B-D6C7DFDC589F}" vid="{4A3C46E8-61CC-4603-A589-7422A47A8E4A}"/>
+    </a:ext>
+  </a:extLst>
+</a:theme>
+</file>
+
+<file path=ppt/theme/theme3.xml><?xml version="1.0" encoding="utf-8"?>
+<a:theme xmlns:a="http://schemas.openxmlformats.org/drawingml/2006/main" name="Office-téma">
+  <a:themeElements>
+    <a:clrScheme name="Office">
+      <a:dk1>
+        <a:sysClr val="windowText" lastClr="000000"/>
+      </a:dk1>
+      <a:lt1>
+        <a:sysClr val="window" lastClr="FFFFFF"/>
+      </a:lt1>
+      <a:dk2>
+        <a:srgbClr val="44546A"/>
+      </a:dk2>
+      <a:lt2>
+        <a:srgbClr val="E7E6E6"/>
+      </a:lt2>
+      <a:accent1>
+        <a:srgbClr val="5B9BD5"/>
+      </a:accent1>
+      <a:accent2>
+        <a:srgbClr val="ED7D31"/>
+      </a:accent2>
+      <a:accent3>
+        <a:srgbClr val="A5A5A5"/>
+      </a:accent3>
+      <a:accent4>
+        <a:srgbClr val="FFC000"/>
+      </a:accent4>
+      <a:accent5>
+        <a:srgbClr val="4472C4"/>
+      </a:accent5>
+      <a:accent6>
+        <a:srgbClr val="70AD47"/>
+      </a:accent6>
+      <a:hlink>
+        <a:srgbClr val="0563C1"/>
+      </a:hlink>
+      <a:folHlink>
+        <a:srgbClr val="954F72"/>
+      </a:folHlink>
+    </a:clrScheme>
+    <a:fontScheme name="Office">
+      <a:majorFont>
+        <a:latin typeface="Calibri Light" panose="020F0302020204030204"/>
+        <a:ea typeface=""/>
+        <a:cs typeface=""/>
+        <a:font script="Jpan" typeface="游ゴシック Light"/>
+        <a:font script="Hang" typeface="맑은 고딕"/>
+        <a:font script="Hans" typeface="等线 Light"/>
+        <a:font script="Hant" typeface="新細明體"/>
+        <a:font script="Arab" typeface="Times New Roman"/>
+        <a:font script="Hebr" typeface="Times New Roman"/>
+        <a:font script="Thai" typeface="Angsana New"/>
+        <a:font script="Ethi" typeface="Nyala"/>
+        <a:font script="Beng" typeface="Vrinda"/>
+        <a:font script="Gujr" typeface="Shruti"/>
+        <a:font script="Khmr" typeface="MoolBoran"/>
+        <a:font script="Knda" typeface="Tunga"/>
+        <a:font script="Guru" typeface="Raavi"/>
+        <a:font script="Cans" typeface="Euphemia"/>
+        <a:font script="Cher" typeface="Plantagenet Cherokee"/>
+        <a:font script="Yiii" typeface="Microsoft Yi Baiti"/>
+        <a:font script="Tibt" typeface="Microsoft Himalaya"/>
+        <a:font script="Thaa" typeface="MV Boli"/>
+        <a:font script="Deva" typeface="Mangal"/>
+        <a:font script="Telu" typeface="Gautami"/>
+        <a:font script="Taml" typeface="Latha"/>
+        <a:font script="Syrc" typeface="Estrangelo Edessa"/>
+        <a:font script="Orya" typeface="Kalinga"/>
+        <a:font script="Mlym" typeface="Kartika"/>
+        <a:font script="Laoo" typeface="DokChampa"/>
+        <a:font script="Sinh" typeface="Iskoola Pota"/>
+        <a:font script="Mong" typeface="Mongolian Baiti"/>
+        <a:font script="Viet" typeface="Times New Roman"/>
+        <a:font script="Uigh" typeface="Microsoft Uighur"/>
+        <a:font script="Geor" typeface="Sylfaen"/>
+      </a:majorFont>
+      <a:minorFont>
+        <a:latin typeface="Calibri" panose="020F0502020204030204"/>
+        <a:ea typeface=""/>
+        <a:cs typeface=""/>
+        <a:font script="Jpan" typeface="游ゴシック"/>
+        <a:font script="Hang" typeface="맑은 고딕"/>
+        <a:font script="Hans" typeface="等线"/>
+        <a:font script="Hant" typeface="新細明體"/>
+        <a:font script="Arab" typeface="Arial"/>
+        <a:font script="Hebr" typeface="Arial"/>
+        <a:font script="Thai" typeface="Cordia New"/>
+        <a:font script="Ethi" typeface="Nyala"/>
+        <a:font script="Beng" typeface="Vrinda"/>
+        <a:font script="Gujr" typeface="Shruti"/>
+        <a:font script="Khmr" typeface="DaunPenh"/>
+        <a:font script="Knda" typeface="Tunga"/>
+        <a:font script="Guru" typeface="Raavi"/>
+        <a:font script="Cans" typeface="Euphemia"/>
+        <a:font script="Cher" typeface="Plantagenet Cherokee"/>
+        <a:font script="Yiii" typeface="Microsoft Yi Baiti"/>
+        <a:font script="Tibt" typeface="Microsoft Himalaya"/>
+        <a:font script="Thaa" typeface="MV Boli"/>
+        <a:font script="Deva" typeface="Mangal"/>
+        <a:font script="Telu" typeface="Gautami"/>
+        <a:font script="Taml" typeface="Latha"/>
+        <a:font script="Syrc" typeface="Estrangelo Edessa"/>
+        <a:font script="Orya" typeface="Kalinga"/>
+        <a:font script="Mlym" typeface="Kartika"/>
+        <a:font script="Laoo" typeface="DokChampa"/>
+        <a:font script="Sinh" typeface="Iskoola Pota"/>
+        <a:font script="Mong" typeface="Mongolian Baiti"/>
+        <a:font script="Viet" typeface="Arial"/>
+        <a:font script="Uigh" typeface="Microsoft Uighur"/>
+        <a:font script="Geor" typeface="Sylfaen"/>
+      </a:minorFont>
+    </a:fontScheme>
+    <a:fmtScheme name="Office">
+      <a:fillStyleLst>
+        <a:solidFill>
+          <a:schemeClr val="phClr"/>
+        </a:solidFill>
+        <a:gradFill rotWithShape="1">
+          <a:gsLst>
+            <a:gs pos="0">
+              <a:schemeClr val="phClr">
+                <a:lumMod val="110000"/>
+                <a:satMod val="105000"/>
+                <a:tint val="67000"/>
+              </a:schemeClr>
+            </a:gs>
+            <a:gs pos="50000">
+              <a:schemeClr val="phClr">
+                <a:lumMod val="105000"/>
+                <a:satMod val="103000"/>
+                <a:tint val="73000"/>
+              </a:schemeClr>
+            </a:gs>
+            <a:gs pos="100000">
+              <a:schemeClr val="phClr">
+                <a:lumMod val="105000"/>
+                <a:satMod val="109000"/>
+                <a:tint val="81000"/>
+              </a:schemeClr>
+            </a:gs>
+          </a:gsLst>
+          <a:lin ang="5400000" scaled="0"/>
+        </a:gradFill>
+        <a:gradFill rotWithShape="1">
+          <a:gsLst>
+            <a:gs pos="0">
+              <a:schemeClr val="phClr">
+                <a:satMod val="103000"/>
+                <a:lumMod val="102000"/>
+                <a:tint val="94000"/>
+              </a:schemeClr>
+            </a:gs>
+            <a:gs pos="50000">
+              <a:schemeClr val="phClr">
+                <a:satMod val="110000"/>
+                <a:lumMod val="100000"/>
+                <a:shade val="100000"/>
+              </a:schemeClr>
+            </a:gs>
+            <a:gs pos="100000">
+              <a:schemeClr val="phClr">
+                <a:lumMod val="99000"/>
+                <a:satMod val="120000"/>
+                <a:shade val="78000"/>
+              </a:schemeClr>
+            </a:gs>
+          </a:gsLst>
+          <a:lin ang="5400000" scaled="0"/>
+        </a:gradFill>
+      </a:fillStyleLst>
+      <a:lnStyleLst>
+        <a:ln w="6350" cap="flat" cmpd="sng" algn="ctr">
+          <a:solidFill>
+            <a:schemeClr val="phClr"/>
+          </a:solidFill>
+          <a:prstDash val="solid"/>
+          <a:miter lim="800000"/>
+        </a:ln>
+        <a:ln w="12700" cap="flat" cmpd="sng" algn="ctr">
+          <a:solidFill>
+            <a:schemeClr val="phClr"/>
+          </a:solidFill>
+          <a:prstDash val="solid"/>
+          <a:miter lim="800000"/>
+        </a:ln>
+        <a:ln w="19050" cap="flat" cmpd="sng" algn="ctr">
+          <a:solidFill>
+            <a:schemeClr val="phClr"/>
+          </a:solidFill>
+          <a:prstDash val="solid"/>
+          <a:miter lim="800000"/>
+        </a:ln>
+      </a:lnStyleLst>
+      <a:effectStyleLst>
+        <a:effectStyle>
+          <a:effectLst/>
+        </a:effectStyle>
+        <a:effectStyle>
+          <a:effectLst/>
+        </a:effectStyle>
+        <a:effectStyle>
+          <a:effectLst>
+            <a:outerShdw blurRad="57150" dist="19050" dir="5400000" algn="ctr" rotWithShape="0">
+              <a:srgbClr val="000000">
+                <a:alpha val="63000"/>
+              </a:srgbClr>
+            </a:outerShdw>
+          </a:effectLst>
+        </a:effectStyle>
+      </a:effectStyleLst>
+      <a:bgFillStyleLst>
+        <a:solidFill>
+          <a:schemeClr val="phClr"/>
+        </a:solidFill>
+        <a:solidFill>
+          <a:schemeClr val="phClr">
+            <a:tint val="95000"/>
+            <a:satMod val="170000"/>
+          </a:schemeClr>
+        </a:solidFill>
+        <a:gradFill rotWithShape="1">
+          <a:gsLst>
+            <a:gs pos="0">
+              <a:schemeClr val="phClr">
+                <a:tint val="93000"/>
+                <a:satMod val="150000"/>
+                <a:shade val="98000"/>
+                <a:lumMod val="102000"/>
+              </a:schemeClr>
+            </a:gs>
+            <a:gs pos="50000">
+              <a:schemeClr val="phClr">
+                <a:tint val="98000"/>
+                <a:satMod val="130000"/>
+                <a:shade val="90000"/>
+                <a:lumMod val="103000"/>
+              </a:schemeClr>
+            </a:gs>
+            <a:gs pos="100000">
+              <a:schemeClr val="phClr">
+                <a:shade val="63000"/>
+                <a:satMod val="120000"/>
+              </a:schemeClr>
+            </a:gs>
+          </a:gsLst>
+          <a:lin ang="5400000" scaled="0"/>
+        </a:gradFill>
+      </a:bgFillStyleLst>
+    </a:fmtScheme>
+  </a:themeElements>
+  <a:objectDefaults/>
+  <a:extraClrSchemeLst/>
+  <a:extLst>
+    <a:ext uri="{05A4C25C-085E-4340-85A3-A5531E510DB2}">
+      <thm15:themeFamily xmlns:thm15="http://schemas.microsoft.com/office/thememl/2012/main" name="Office Theme" id="{62F939B6-93AF-4DB8-9C6B-D6C7DFDC589F}" vid="{4A3C46E8-61CC-4603-A589-7422A47A8E4A}"/>
+    </a:ext>
+  </a:extLst>
+</a:theme>
 </file>